--- a/S2 - Using mdTranslator.pptx
+++ b/S2 - Using mdTranslator.pptx
@@ -6,20 +6,18 @@
     <p:sldMasterId id="2147483732" r:id="rId2"/>
   </p:sldMasterIdLst>
   <p:notesMasterIdLst>
-    <p:notesMasterId r:id="rId14"/>
+    <p:notesMasterId r:id="rId12"/>
   </p:notesMasterIdLst>
   <p:sldIdLst>
     <p:sldId id="335" r:id="rId3"/>
     <p:sldId id="341" r:id="rId4"/>
     <p:sldId id="342" r:id="rId5"/>
-    <p:sldId id="343" r:id="rId6"/>
-    <p:sldId id="344" r:id="rId7"/>
-    <p:sldId id="345" r:id="rId8"/>
-    <p:sldId id="347" r:id="rId9"/>
-    <p:sldId id="348" r:id="rId10"/>
-    <p:sldId id="349" r:id="rId11"/>
-    <p:sldId id="346" r:id="rId12"/>
-    <p:sldId id="312" r:id="rId13"/>
+    <p:sldId id="344" r:id="rId6"/>
+    <p:sldId id="345" r:id="rId7"/>
+    <p:sldId id="348" r:id="rId8"/>
+    <p:sldId id="349" r:id="rId9"/>
+    <p:sldId id="346" r:id="rId10"/>
+    <p:sldId id="312" r:id="rId11"/>
   </p:sldIdLst>
   <p:sldSz cx="9144000" cy="6858000" type="screen4x3"/>
   <p:notesSz cx="7077075" cy="9051925"/>
@@ -2778,7 +2776,7 @@
           <a:p>
             <a:fld id="{8569B522-8390-453B-A8F0-3C96BAC841F8}" type="datetimeFigureOut">
               <a:rPr lang="en-US" smtClean="0"/>
-              <a:t>5/4/2015</a:t>
+              <a:t>5/6/2015</a:t>
             </a:fld>
             <a:endParaRPr lang="en-US" dirty="0"/>
           </a:p>
@@ -3106,13 +3104,80 @@
           </a:bodyPr>
           <a:lstStyle/>
           <a:p>
-            <a:pPr marL="285750" indent="-285750">
+            <a:pPr marL="0" indent="0">
               <a:spcBef>
                 <a:spcPct val="0"/>
               </a:spcBef>
               <a:buFont typeface="Wingdings"/>
-              <a:buChar char="Ø"/>
+              <a:buNone/>
             </a:pPr>
+            <a:r>
+              <a:rPr lang="en-US" sz="1600" dirty="0" smtClean="0"/>
+              <a:t>-- mdTranslator is hosted as a public web service on </a:t>
+            </a:r>
+            <a:r>
+              <a:rPr lang="en-US" sz="1600" dirty="0" err="1" smtClean="0"/>
+              <a:t>Heroku</a:t>
+            </a:r>
+            <a:r>
+              <a:rPr lang="en-US" sz="1600" dirty="0" smtClean="0"/>
+              <a:t> </a:t>
+            </a:r>
+          </a:p>
+          <a:p>
+            <a:pPr marL="0" indent="0">
+              <a:spcBef>
+                <a:spcPct val="0"/>
+              </a:spcBef>
+              <a:buFont typeface="Wingdings"/>
+              <a:buNone/>
+            </a:pPr>
+            <a:r>
+              <a:rPr lang="en-US" sz="1600" dirty="0" smtClean="0"/>
+              <a:t>-- </a:t>
+            </a:r>
+            <a:r>
+              <a:rPr lang="en-US" sz="1600" dirty="0" err="1" smtClean="0"/>
+              <a:t>Heroku</a:t>
+            </a:r>
+            <a:r>
+              <a:rPr lang="en-US" sz="1600" baseline="0" dirty="0" smtClean="0"/>
+              <a:t> is a cloud platform as a service (</a:t>
+            </a:r>
+            <a:r>
+              <a:rPr lang="en-US" sz="1600" baseline="0" dirty="0" err="1" smtClean="0"/>
+              <a:t>PaaS</a:t>
+            </a:r>
+            <a:r>
+              <a:rPr lang="en-US" sz="1600" baseline="0" dirty="0" smtClean="0"/>
+              <a:t>) supporting several languages </a:t>
+            </a:r>
+          </a:p>
+          <a:p>
+            <a:pPr marL="0" indent="0">
+              <a:spcBef>
+                <a:spcPct val="0"/>
+              </a:spcBef>
+              <a:buFont typeface="Wingdings"/>
+              <a:buNone/>
+            </a:pPr>
+            <a:r>
+              <a:rPr lang="en-US" sz="1600" baseline="0" dirty="0" smtClean="0"/>
+              <a:t>-- Ruby, Node.js, Python, PHP, Perl</a:t>
+            </a:r>
+          </a:p>
+          <a:p>
+            <a:pPr marL="0" indent="0">
+              <a:spcBef>
+                <a:spcPct val="0"/>
+              </a:spcBef>
+              <a:buFont typeface="Wingdings"/>
+              <a:buNone/>
+            </a:pPr>
+            <a:r>
+              <a:rPr lang="en-US" sz="1600" baseline="0" dirty="0" smtClean="0"/>
+              <a:t>-- We did not develop on this platform, but are using it to host the mdTranslator API until a permanent home is found</a:t>
+            </a:r>
             <a:endParaRPr lang="en-US" sz="1600" dirty="0" smtClean="0"/>
           </a:p>
         </p:txBody>
@@ -3212,6 +3277,432 @@
           <a:bodyPr/>
           <a:lstStyle/>
           <a:p>
+            <a:r>
+              <a:rPr lang="en-US" dirty="0" smtClean="0"/>
+              <a:t>-- back to were</a:t>
+            </a:r>
+            <a:r>
+              <a:rPr lang="en-US" baseline="0" dirty="0" smtClean="0"/>
+              <a:t> we left off in the Into to ISO Toolkit segment </a:t>
+            </a:r>
+          </a:p>
+          <a:p>
+            <a:r>
+              <a:rPr lang="en-US" baseline="0" dirty="0" smtClean="0"/>
+              <a:t>-- hosted on </a:t>
+            </a:r>
+            <a:r>
+              <a:rPr lang="en-US" baseline="0" dirty="0" err="1" smtClean="0"/>
+              <a:t>Heroku</a:t>
+            </a:r>
+            <a:r>
+              <a:rPr lang="en-US" baseline="0" dirty="0" smtClean="0"/>
+              <a:t> at </a:t>
+            </a:r>
+            <a:r>
+              <a:rPr lang="en-US" u="sng" baseline="0" dirty="0" smtClean="0"/>
+              <a:t>http://mdtranslator.adiwg.org/ </a:t>
+            </a:r>
+          </a:p>
+          <a:p>
+            <a:r>
+              <a:rPr lang="en-US" u="none" baseline="0" dirty="0" smtClean="0"/>
+              <a:t>-- the web service has an embedded mdTranslator gem</a:t>
+            </a:r>
+          </a:p>
+          <a:p>
+            <a:r>
+              <a:rPr lang="en-US" u="none" baseline="0" dirty="0" smtClean="0"/>
+              <a:t>-- the web service provides a RESTful API to interact with the mdTranslator </a:t>
+            </a:r>
+          </a:p>
+          <a:p>
+            <a:r>
+              <a:rPr lang="en-US" u="none" baseline="0" dirty="0" smtClean="0"/>
+              <a:t>---- </a:t>
+            </a:r>
+            <a:r>
+              <a:rPr lang="en-US" sz="1200" dirty="0" smtClean="0">
+                <a:solidFill>
+                  <a:prstClr val="black"/>
+                </a:solidFill>
+                <a:latin typeface="+mn-lt"/>
+                <a:ea typeface="+mn-ea"/>
+                <a:cs typeface="+mn-cs"/>
+              </a:rPr>
+              <a:t>REST (Representational State Transfer) </a:t>
+            </a:r>
+          </a:p>
+          <a:p>
+            <a:pPr marL="0" marR="0" lvl="1" indent="0" algn="l" defTabSz="914400" rtl="0" eaLnBrk="1" fontAlgn="auto" latinLnBrk="0" hangingPunct="1">
+              <a:lnSpc>
+                <a:spcPct val="100000"/>
+              </a:lnSpc>
+              <a:spcBef>
+                <a:spcPts val="0"/>
+              </a:spcBef>
+              <a:spcAft>
+                <a:spcPts val="0"/>
+              </a:spcAft>
+              <a:buClrTx/>
+              <a:buSzTx/>
+              <a:buFontTx/>
+              <a:buNone/>
+              <a:tabLst/>
+              <a:defRPr/>
+            </a:pPr>
+            <a:r>
+              <a:rPr lang="en-US" sz="1200" u="none" baseline="0" dirty="0" smtClean="0">
+                <a:solidFill>
+                  <a:prstClr val="black"/>
+                </a:solidFill>
+                <a:latin typeface="+mn-lt"/>
+                <a:ea typeface="+mn-ea"/>
+                <a:cs typeface="+mn-cs"/>
+              </a:rPr>
+              <a:t>------ </a:t>
+            </a:r>
+            <a:r>
+              <a:rPr lang="en-US" sz="1800" dirty="0" smtClean="0">
+                <a:solidFill>
+                  <a:prstClr val="black"/>
+                </a:solidFill>
+                <a:latin typeface="+mn-lt"/>
+                <a:ea typeface="+mn-ea"/>
+                <a:cs typeface="+mn-cs"/>
+              </a:rPr>
+              <a:t>Architectural style for scalable web services </a:t>
+            </a:r>
+          </a:p>
+          <a:p>
+            <a:pPr marL="0" marR="0" lvl="1" indent="0" algn="l" defTabSz="914400" rtl="0" eaLnBrk="1" fontAlgn="auto" latinLnBrk="0" hangingPunct="1">
+              <a:lnSpc>
+                <a:spcPct val="100000"/>
+              </a:lnSpc>
+              <a:spcBef>
+                <a:spcPts val="0"/>
+              </a:spcBef>
+              <a:spcAft>
+                <a:spcPts val="0"/>
+              </a:spcAft>
+              <a:buClrTx/>
+              <a:buSzTx/>
+              <a:buFontTx/>
+              <a:buNone/>
+              <a:tabLst/>
+              <a:defRPr/>
+            </a:pPr>
+            <a:r>
+              <a:rPr lang="en-US" sz="1800" dirty="0" smtClean="0">
+                <a:solidFill>
+                  <a:prstClr val="black"/>
+                </a:solidFill>
+                <a:latin typeface="+mn-lt"/>
+                <a:ea typeface="+mn-ea"/>
+                <a:cs typeface="+mn-cs"/>
+              </a:rPr>
+              <a:t>------ All functionality is available via unique URLs </a:t>
+            </a:r>
+          </a:p>
+          <a:p>
+            <a:endParaRPr lang="en-US" u="none" baseline="0" dirty="0" smtClean="0"/>
+          </a:p>
+          <a:p>
+            <a:endParaRPr lang="en-US" u="none" baseline="0" dirty="0" smtClean="0"/>
+          </a:p>
+          <a:p>
+            <a:endParaRPr lang="en-US" dirty="0"/>
+          </a:p>
+        </p:txBody>
+      </p:sp>
+      <p:sp>
+        <p:nvSpPr>
+          <p:cNvPr id="4" name="Slide Number Placeholder 3"/>
+          <p:cNvSpPr>
+            <a:spLocks noGrp="1"/>
+          </p:cNvSpPr>
+          <p:nvPr>
+            <p:ph type="sldNum" sz="quarter" idx="10"/>
+          </p:nvPr>
+        </p:nvSpPr>
+        <p:spPr/>
+        <p:txBody>
+          <a:bodyPr/>
+          <a:lstStyle/>
+          <a:p>
+            <a:fld id="{86E298D3-FAEC-4429-BBB2-6E24FE792F56}" type="slidenum">
+              <a:rPr lang="en-US" smtClean="0"/>
+              <a:t>2</a:t>
+            </a:fld>
+            <a:endParaRPr lang="en-US" dirty="0"/>
+          </a:p>
+        </p:txBody>
+      </p:sp>
+    </p:spTree>
+    <p:extLst>
+      <p:ext uri="{BB962C8B-B14F-4D97-AF65-F5344CB8AC3E}">
+        <p14:creationId xmlns:p14="http://schemas.microsoft.com/office/powerpoint/2010/main" val="436047342"/>
+      </p:ext>
+    </p:extLst>
+  </p:cSld>
+  <p:clrMapOvr>
+    <a:masterClrMapping/>
+  </p:clrMapOvr>
+</p:notes>
+</file>
+
+<file path=ppt/notesSlides/notesSlide3.xml><?xml version="1.0" encoding="utf-8"?>
+<p:notes xmlns:a="http://schemas.openxmlformats.org/drawingml/2006/main" xmlns:r="http://schemas.openxmlformats.org/officeDocument/2006/relationships" xmlns:p="http://schemas.openxmlformats.org/presentationml/2006/main">
+  <p:cSld>
+    <p:spTree>
+      <p:nvGrpSpPr>
+        <p:cNvPr id="1" name=""/>
+        <p:cNvGrpSpPr/>
+        <p:nvPr/>
+      </p:nvGrpSpPr>
+      <p:grpSpPr>
+        <a:xfrm>
+          <a:off x="0" y="0"/>
+          <a:ext cx="0" cy="0"/>
+          <a:chOff x="0" y="0"/>
+          <a:chExt cx="0" cy="0"/>
+        </a:xfrm>
+      </p:grpSpPr>
+      <p:sp>
+        <p:nvSpPr>
+          <p:cNvPr id="2" name="Slide Image Placeholder 1"/>
+          <p:cNvSpPr>
+            <a:spLocks noGrp="1" noRot="1" noChangeAspect="1"/>
+          </p:cNvSpPr>
+          <p:nvPr>
+            <p:ph type="sldImg"/>
+          </p:nvPr>
+        </p:nvSpPr>
+        <p:spPr/>
+      </p:sp>
+      <p:sp>
+        <p:nvSpPr>
+          <p:cNvPr id="3" name="Notes Placeholder 2"/>
+          <p:cNvSpPr>
+            <a:spLocks noGrp="1"/>
+          </p:cNvSpPr>
+          <p:nvPr>
+            <p:ph type="body" idx="1"/>
+          </p:nvPr>
+        </p:nvSpPr>
+        <p:spPr/>
+        <p:txBody>
+          <a:bodyPr/>
+          <a:lstStyle/>
+          <a:p>
+            <a:r>
+              <a:rPr lang="en-US" dirty="0" smtClean="0"/>
+              <a:t>-- another ISO</a:t>
+            </a:r>
+            <a:r>
+              <a:rPr lang="en-US" baseline="0" dirty="0" smtClean="0"/>
+              <a:t> Toolkit component is also hosted in the API – mdCodes </a:t>
+            </a:r>
+          </a:p>
+          <a:p>
+            <a:r>
+              <a:rPr lang="en-US" baseline="0" dirty="0" smtClean="0"/>
+              <a:t>-- mdCodes is designed to supply ISO codelists via REST endpoints to metadata editor application </a:t>
+            </a:r>
+          </a:p>
+          <a:p>
+            <a:r>
+              <a:rPr lang="en-US" baseline="0" dirty="0" smtClean="0"/>
+              <a:t>-- covered later in this segment</a:t>
+            </a:r>
+            <a:endParaRPr lang="en-US" dirty="0"/>
+          </a:p>
+        </p:txBody>
+      </p:sp>
+      <p:sp>
+        <p:nvSpPr>
+          <p:cNvPr id="4" name="Slide Number Placeholder 3"/>
+          <p:cNvSpPr>
+            <a:spLocks noGrp="1"/>
+          </p:cNvSpPr>
+          <p:nvPr>
+            <p:ph type="sldNum" sz="quarter" idx="10"/>
+          </p:nvPr>
+        </p:nvSpPr>
+        <p:spPr/>
+        <p:txBody>
+          <a:bodyPr/>
+          <a:lstStyle/>
+          <a:p>
+            <a:fld id="{86E298D3-FAEC-4429-BBB2-6E24FE792F56}" type="slidenum">
+              <a:rPr lang="en-US" smtClean="0"/>
+              <a:t>3</a:t>
+            </a:fld>
+            <a:endParaRPr lang="en-US" dirty="0"/>
+          </a:p>
+        </p:txBody>
+      </p:sp>
+    </p:spTree>
+    <p:extLst>
+      <p:ext uri="{BB962C8B-B14F-4D97-AF65-F5344CB8AC3E}">
+        <p14:creationId xmlns:p14="http://schemas.microsoft.com/office/powerpoint/2010/main" val="3793844585"/>
+      </p:ext>
+    </p:extLst>
+  </p:cSld>
+  <p:clrMapOvr>
+    <a:masterClrMapping/>
+  </p:clrMapOvr>
+</p:notes>
+</file>
+
+<file path=ppt/notesSlides/notesSlide4.xml><?xml version="1.0" encoding="utf-8"?>
+<p:notes xmlns:a="http://schemas.openxmlformats.org/drawingml/2006/main" xmlns:r="http://schemas.openxmlformats.org/officeDocument/2006/relationships" xmlns:p="http://schemas.openxmlformats.org/presentationml/2006/main">
+  <p:cSld>
+    <p:spTree>
+      <p:nvGrpSpPr>
+        <p:cNvPr id="1" name=""/>
+        <p:cNvGrpSpPr/>
+        <p:nvPr/>
+      </p:nvGrpSpPr>
+      <p:grpSpPr>
+        <a:xfrm>
+          <a:off x="0" y="0"/>
+          <a:ext cx="0" cy="0"/>
+          <a:chOff x="0" y="0"/>
+          <a:chExt cx="0" cy="0"/>
+        </a:xfrm>
+      </p:grpSpPr>
+      <p:sp>
+        <p:nvSpPr>
+          <p:cNvPr id="2" name="Slide Image Placeholder 1"/>
+          <p:cNvSpPr>
+            <a:spLocks noGrp="1" noRot="1" noChangeAspect="1"/>
+          </p:cNvSpPr>
+          <p:nvPr>
+            <p:ph type="sldImg"/>
+          </p:nvPr>
+        </p:nvSpPr>
+        <p:spPr/>
+      </p:sp>
+      <p:sp>
+        <p:nvSpPr>
+          <p:cNvPr id="3" name="Notes Placeholder 2"/>
+          <p:cNvSpPr>
+            <a:spLocks noGrp="1"/>
+          </p:cNvSpPr>
+          <p:nvPr>
+            <p:ph type="body" idx="1"/>
+          </p:nvPr>
+        </p:nvSpPr>
+        <p:spPr/>
+        <p:txBody>
+          <a:bodyPr/>
+          <a:lstStyle/>
+          <a:p>
+            <a:r>
+              <a:rPr lang="en-US" dirty="0" smtClean="0"/>
+              <a:t>-- talk</a:t>
+            </a:r>
+            <a:r>
+              <a:rPr lang="en-US" baseline="0" dirty="0" smtClean="0"/>
+              <a:t> from slide </a:t>
+            </a:r>
+            <a:endParaRPr lang="en-US" dirty="0"/>
+          </a:p>
+        </p:txBody>
+      </p:sp>
+      <p:sp>
+        <p:nvSpPr>
+          <p:cNvPr id="4" name="Slide Number Placeholder 3"/>
+          <p:cNvSpPr>
+            <a:spLocks noGrp="1"/>
+          </p:cNvSpPr>
+          <p:nvPr>
+            <p:ph type="sldNum" sz="quarter" idx="10"/>
+          </p:nvPr>
+        </p:nvSpPr>
+        <p:spPr/>
+        <p:txBody>
+          <a:bodyPr/>
+          <a:lstStyle/>
+          <a:p>
+            <a:fld id="{86E298D3-FAEC-4429-BBB2-6E24FE792F56}" type="slidenum">
+              <a:rPr lang="en-US" smtClean="0"/>
+              <a:t>4</a:t>
+            </a:fld>
+            <a:endParaRPr lang="en-US" dirty="0"/>
+          </a:p>
+        </p:txBody>
+      </p:sp>
+    </p:spTree>
+    <p:extLst>
+      <p:ext uri="{BB962C8B-B14F-4D97-AF65-F5344CB8AC3E}">
+        <p14:creationId xmlns:p14="http://schemas.microsoft.com/office/powerpoint/2010/main" val="261200863"/>
+      </p:ext>
+    </p:extLst>
+  </p:cSld>
+  <p:clrMapOvr>
+    <a:masterClrMapping/>
+  </p:clrMapOvr>
+</p:notes>
+</file>
+
+<file path=ppt/notesSlides/notesSlide5.xml><?xml version="1.0" encoding="utf-8"?>
+<p:notes xmlns:a="http://schemas.openxmlformats.org/drawingml/2006/main" xmlns:r="http://schemas.openxmlformats.org/officeDocument/2006/relationships" xmlns:p="http://schemas.openxmlformats.org/presentationml/2006/main">
+  <p:cSld>
+    <p:spTree>
+      <p:nvGrpSpPr>
+        <p:cNvPr id="1" name=""/>
+        <p:cNvGrpSpPr/>
+        <p:nvPr/>
+      </p:nvGrpSpPr>
+      <p:grpSpPr>
+        <a:xfrm>
+          <a:off x="0" y="0"/>
+          <a:ext cx="0" cy="0"/>
+          <a:chOff x="0" y="0"/>
+          <a:chExt cx="0" cy="0"/>
+        </a:xfrm>
+      </p:grpSpPr>
+      <p:sp>
+        <p:nvSpPr>
+          <p:cNvPr id="2" name="Slide Image Placeholder 1"/>
+          <p:cNvSpPr>
+            <a:spLocks noGrp="1" noRot="1" noChangeAspect="1"/>
+          </p:cNvSpPr>
+          <p:nvPr>
+            <p:ph type="sldImg"/>
+          </p:nvPr>
+        </p:nvSpPr>
+        <p:spPr/>
+      </p:sp>
+      <p:sp>
+        <p:nvSpPr>
+          <p:cNvPr id="3" name="Notes Placeholder 2"/>
+          <p:cNvSpPr>
+            <a:spLocks noGrp="1"/>
+          </p:cNvSpPr>
+          <p:nvPr>
+            <p:ph type="body" idx="1"/>
+          </p:nvPr>
+        </p:nvSpPr>
+        <p:spPr/>
+        <p:txBody>
+          <a:bodyPr/>
+          <a:lstStyle/>
+          <a:p>
+            <a:r>
+              <a:rPr lang="en-US" dirty="0" smtClean="0"/>
+              <a:t>--</a:t>
+            </a:r>
+            <a:r>
+              <a:rPr lang="en-US" baseline="0" dirty="0" smtClean="0"/>
+              <a:t> t</a:t>
+            </a:r>
+            <a:r>
+              <a:rPr lang="en-US" dirty="0" smtClean="0"/>
+              <a:t>alk from slide </a:t>
+            </a:r>
             <a:endParaRPr lang="en-US" dirty="0"/>
           </a:p>
         </p:txBody>
@@ -3242,7 +3733,7 @@
     </p:spTree>
     <p:extLst>
       <p:ext uri="{BB962C8B-B14F-4D97-AF65-F5344CB8AC3E}">
-        <p14:creationId xmlns:p14="http://schemas.microsoft.com/office/powerpoint/2010/main" val="261200863"/>
+        <p14:creationId xmlns:p14="http://schemas.microsoft.com/office/powerpoint/2010/main" val="1850967496"/>
       </p:ext>
     </p:extLst>
   </p:cSld>
@@ -3252,7 +3743,247 @@
 </p:notes>
 </file>
 
-<file path=ppt/notesSlides/notesSlide3.xml><?xml version="1.0" encoding="utf-8"?>
+<file path=ppt/notesSlides/notesSlide6.xml><?xml version="1.0" encoding="utf-8"?>
+<p:notes xmlns:a="http://schemas.openxmlformats.org/drawingml/2006/main" xmlns:r="http://schemas.openxmlformats.org/officeDocument/2006/relationships" xmlns:p="http://schemas.openxmlformats.org/presentationml/2006/main">
+  <p:cSld>
+    <p:spTree>
+      <p:nvGrpSpPr>
+        <p:cNvPr id="1" name=""/>
+        <p:cNvGrpSpPr/>
+        <p:nvPr/>
+      </p:nvGrpSpPr>
+      <p:grpSpPr>
+        <a:xfrm>
+          <a:off x="0" y="0"/>
+          <a:ext cx="0" cy="0"/>
+          <a:chOff x="0" y="0"/>
+          <a:chExt cx="0" cy="0"/>
+        </a:xfrm>
+      </p:grpSpPr>
+      <p:sp>
+        <p:nvSpPr>
+          <p:cNvPr id="2" name="Slide Image Placeholder 1"/>
+          <p:cNvSpPr>
+            <a:spLocks noGrp="1" noRot="1" noChangeAspect="1"/>
+          </p:cNvSpPr>
+          <p:nvPr>
+            <p:ph type="sldImg"/>
+          </p:nvPr>
+        </p:nvSpPr>
+        <p:spPr/>
+      </p:sp>
+      <p:sp>
+        <p:nvSpPr>
+          <p:cNvPr id="3" name="Notes Placeholder 2"/>
+          <p:cNvSpPr>
+            <a:spLocks noGrp="1"/>
+          </p:cNvSpPr>
+          <p:nvPr>
+            <p:ph type="body" idx="1"/>
+          </p:nvPr>
+        </p:nvSpPr>
+        <p:spPr/>
+        <p:txBody>
+          <a:bodyPr/>
+          <a:lstStyle/>
+          <a:p>
+            <a:r>
+              <a:rPr lang="en-US" dirty="0" smtClean="0"/>
+              <a:t>-- talk from slide</a:t>
+            </a:r>
+            <a:endParaRPr lang="en-US" dirty="0"/>
+          </a:p>
+        </p:txBody>
+      </p:sp>
+      <p:sp>
+        <p:nvSpPr>
+          <p:cNvPr id="4" name="Slide Number Placeholder 3"/>
+          <p:cNvSpPr>
+            <a:spLocks noGrp="1"/>
+          </p:cNvSpPr>
+          <p:nvPr>
+            <p:ph type="sldNum" sz="quarter" idx="10"/>
+          </p:nvPr>
+        </p:nvSpPr>
+        <p:spPr/>
+        <p:txBody>
+          <a:bodyPr/>
+          <a:lstStyle/>
+          <a:p>
+            <a:fld id="{86E298D3-FAEC-4429-BBB2-6E24FE792F56}" type="slidenum">
+              <a:rPr lang="en-US" smtClean="0"/>
+              <a:t>6</a:t>
+            </a:fld>
+            <a:endParaRPr lang="en-US" dirty="0"/>
+          </a:p>
+        </p:txBody>
+      </p:sp>
+    </p:spTree>
+    <p:extLst>
+      <p:ext uri="{BB962C8B-B14F-4D97-AF65-F5344CB8AC3E}">
+        <p14:creationId xmlns:p14="http://schemas.microsoft.com/office/powerpoint/2010/main" val="2096692166"/>
+      </p:ext>
+    </p:extLst>
+  </p:cSld>
+  <p:clrMapOvr>
+    <a:masterClrMapping/>
+  </p:clrMapOvr>
+</p:notes>
+</file>
+
+<file path=ppt/notesSlides/notesSlide7.xml><?xml version="1.0" encoding="utf-8"?>
+<p:notes xmlns:a="http://schemas.openxmlformats.org/drawingml/2006/main" xmlns:r="http://schemas.openxmlformats.org/officeDocument/2006/relationships" xmlns:p="http://schemas.openxmlformats.org/presentationml/2006/main">
+  <p:cSld>
+    <p:spTree>
+      <p:nvGrpSpPr>
+        <p:cNvPr id="1" name=""/>
+        <p:cNvGrpSpPr/>
+        <p:nvPr/>
+      </p:nvGrpSpPr>
+      <p:grpSpPr>
+        <a:xfrm>
+          <a:off x="0" y="0"/>
+          <a:ext cx="0" cy="0"/>
+          <a:chOff x="0" y="0"/>
+          <a:chExt cx="0" cy="0"/>
+        </a:xfrm>
+      </p:grpSpPr>
+      <p:sp>
+        <p:nvSpPr>
+          <p:cNvPr id="2" name="Slide Image Placeholder 1"/>
+          <p:cNvSpPr>
+            <a:spLocks noGrp="1" noRot="1" noChangeAspect="1"/>
+          </p:cNvSpPr>
+          <p:nvPr>
+            <p:ph type="sldImg"/>
+          </p:nvPr>
+        </p:nvSpPr>
+        <p:spPr/>
+      </p:sp>
+      <p:sp>
+        <p:nvSpPr>
+          <p:cNvPr id="3" name="Notes Placeholder 2"/>
+          <p:cNvSpPr>
+            <a:spLocks noGrp="1"/>
+          </p:cNvSpPr>
+          <p:nvPr>
+            <p:ph type="body" idx="1"/>
+          </p:nvPr>
+        </p:nvSpPr>
+        <p:spPr/>
+        <p:txBody>
+          <a:bodyPr/>
+          <a:lstStyle/>
+          <a:p>
+            <a:r>
+              <a:rPr lang="en-US" dirty="0" smtClean="0"/>
+              <a:t>-- type of</a:t>
+            </a:r>
+            <a:r>
+              <a:rPr lang="en-US" baseline="0" dirty="0" smtClean="0"/>
+              <a:t> list =&gt; static</a:t>
+            </a:r>
+          </a:p>
+          <a:p>
+            <a:r>
+              <a:rPr lang="en-US" baseline="0" dirty="0" smtClean="0"/>
+              <a:t>-- name =&gt; </a:t>
+            </a:r>
+            <a:r>
+              <a:rPr lang="en-US" baseline="0" dirty="0" err="1" smtClean="0"/>
+              <a:t>iso_restriction</a:t>
+            </a:r>
+            <a:endParaRPr lang="en-US" baseline="0" dirty="0" smtClean="0"/>
+          </a:p>
+          <a:p>
+            <a:r>
+              <a:rPr lang="en-US" baseline="0" dirty="0" smtClean="0"/>
+              <a:t>-- official source name =&gt; </a:t>
+            </a:r>
+            <a:r>
+              <a:rPr lang="en-US" baseline="0" dirty="0" err="1" smtClean="0"/>
+              <a:t>MD_RestrictionCode</a:t>
+            </a:r>
+            <a:endParaRPr lang="en-US" baseline="0" dirty="0" smtClean="0"/>
+          </a:p>
+          <a:p>
+            <a:r>
+              <a:rPr lang="en-US" baseline="0" dirty="0" smtClean="0"/>
+              <a:t>-- extensible =&gt; T/F</a:t>
+            </a:r>
+          </a:p>
+          <a:p>
+            <a:r>
+              <a:rPr lang="en-US" baseline="0" dirty="0" smtClean="0"/>
+              <a:t>-- description</a:t>
+            </a:r>
+          </a:p>
+          <a:p>
+            <a:r>
+              <a:rPr lang="en-US" baseline="0" dirty="0" smtClean="0"/>
+              <a:t>-- list of codes </a:t>
+            </a:r>
+          </a:p>
+          <a:p>
+            <a:r>
+              <a:rPr lang="en-US" baseline="0" dirty="0" smtClean="0"/>
+              <a:t>---- unique code</a:t>
+            </a:r>
+          </a:p>
+          <a:p>
+            <a:r>
+              <a:rPr lang="en-US" baseline="0" dirty="0" smtClean="0"/>
+              <a:t>---- code name</a:t>
+            </a:r>
+          </a:p>
+          <a:p>
+            <a:r>
+              <a:rPr lang="en-US" baseline="0" dirty="0" smtClean="0"/>
+              <a:t>---- description</a:t>
+            </a:r>
+          </a:p>
+          <a:p>
+            <a:endParaRPr lang="en-US" dirty="0"/>
+          </a:p>
+        </p:txBody>
+      </p:sp>
+      <p:sp>
+        <p:nvSpPr>
+          <p:cNvPr id="4" name="Slide Number Placeholder 3"/>
+          <p:cNvSpPr>
+            <a:spLocks noGrp="1"/>
+          </p:cNvSpPr>
+          <p:nvPr>
+            <p:ph type="sldNum" sz="quarter" idx="10"/>
+          </p:nvPr>
+        </p:nvSpPr>
+        <p:spPr/>
+        <p:txBody>
+          <a:bodyPr/>
+          <a:lstStyle/>
+          <a:p>
+            <a:fld id="{86E298D3-FAEC-4429-BBB2-6E24FE792F56}" type="slidenum">
+              <a:rPr lang="en-US" smtClean="0"/>
+              <a:t>7</a:t>
+            </a:fld>
+            <a:endParaRPr lang="en-US" dirty="0"/>
+          </a:p>
+        </p:txBody>
+      </p:sp>
+    </p:spTree>
+    <p:extLst>
+      <p:ext uri="{BB962C8B-B14F-4D97-AF65-F5344CB8AC3E}">
+        <p14:creationId xmlns:p14="http://schemas.microsoft.com/office/powerpoint/2010/main" val="662415134"/>
+      </p:ext>
+    </p:extLst>
+  </p:cSld>
+  <p:clrMapOvr>
+    <a:masterClrMapping/>
+  </p:clrMapOvr>
+</p:notes>
+</file>
+
+<file path=ppt/notesSlides/notesSlide8.xml><?xml version="1.0" encoding="utf-8"?>
 <p:notes xmlns:a="http://schemas.openxmlformats.org/drawingml/2006/main" xmlns:r="http://schemas.openxmlformats.org/officeDocument/2006/relationships" xmlns:p="http://schemas.openxmlformats.org/presentationml/2006/main">
   <p:cSld>
     <p:spTree>
@@ -3321,7 +4052,7 @@
           <a:p>
             <a:fld id="{86E298D3-FAEC-4429-BBB2-6E24FE792F56}" type="slidenum">
               <a:rPr lang="en-US" smtClean="0"/>
-              <a:t>11</a:t>
+              <a:t>9</a:t>
             </a:fld>
             <a:endParaRPr lang="en-US" dirty="0"/>
           </a:p>
@@ -3541,7 +4272,7 @@
                   </a:srgbClr>
                 </a:solidFill>
               </a:rPr>
-              <a:t>5/4/2015</a:t>
+              <a:t>5/6/2015</a:t>
             </a:fld>
             <a:endParaRPr lang="en-US" dirty="0">
               <a:solidFill>
@@ -3783,7 +4514,7 @@
                   </a:srgbClr>
                 </a:solidFill>
               </a:rPr>
-              <a:t>5/4/2015</a:t>
+              <a:t>5/6/2015</a:t>
             </a:fld>
             <a:endParaRPr lang="en-US" dirty="0">
               <a:solidFill>
@@ -4082,7 +4813,7 @@
               <a:pPr>
                 <a:defRPr/>
               </a:pPr>
-              <a:t>5/4/2015</a:t>
+              <a:t>5/6/2015</a:t>
             </a:fld>
             <a:endParaRPr lang="en-US" dirty="0">
               <a:solidFill>
@@ -4304,7 +5035,7 @@
               <a:pPr>
                 <a:defRPr/>
               </a:pPr>
-              <a:t>5/4/2015</a:t>
+              <a:t>5/6/2015</a:t>
             </a:fld>
             <a:endParaRPr lang="en-US" dirty="0">
               <a:solidFill>
@@ -4596,7 +5327,7 @@
               <a:pPr>
                 <a:defRPr/>
               </a:pPr>
-              <a:t>5/4/2015</a:t>
+              <a:t>5/6/2015</a:t>
             </a:fld>
             <a:endParaRPr lang="en-US" dirty="0">
               <a:solidFill>
@@ -4910,7 +5641,7 @@
               <a:pPr>
                 <a:defRPr/>
               </a:pPr>
-              <a:t>5/4/2015</a:t>
+              <a:t>5/6/2015</a:t>
             </a:fld>
             <a:endParaRPr lang="en-US" dirty="0">
               <a:solidFill>
@@ -5338,7 +6069,7 @@
               <a:pPr>
                 <a:defRPr/>
               </a:pPr>
-              <a:t>5/4/2015</a:t>
+              <a:t>5/6/2015</a:t>
             </a:fld>
             <a:endParaRPr lang="en-US" dirty="0">
               <a:solidFill>
@@ -5538,7 +6269,7 @@
               <a:pPr>
                 <a:defRPr/>
               </a:pPr>
-              <a:t>5/4/2015</a:t>
+              <a:t>5/6/2015</a:t>
             </a:fld>
             <a:endParaRPr lang="en-US" dirty="0">
               <a:solidFill>
@@ -5678,7 +6409,7 @@
               <a:pPr>
                 <a:defRPr/>
               </a:pPr>
-              <a:t>5/4/2015</a:t>
+              <a:t>5/6/2015</a:t>
             </a:fld>
             <a:endParaRPr lang="en-US" dirty="0">
               <a:solidFill>
@@ -5989,7 +6720,7 @@
               <a:pPr>
                 <a:defRPr/>
               </a:pPr>
-              <a:t>5/4/2015</a:t>
+              <a:t>5/6/2015</a:t>
             </a:fld>
             <a:endParaRPr lang="en-US" dirty="0">
               <a:solidFill>
@@ -6349,7 +7080,7 @@
               <a:pPr>
                 <a:defRPr/>
               </a:pPr>
-              <a:t>5/4/2015</a:t>
+              <a:t>5/6/2015</a:t>
             </a:fld>
             <a:endParaRPr lang="en-US" dirty="0">
               <a:solidFill>
@@ -6929,7 +7660,7 @@
                   </a:srgbClr>
                 </a:solidFill>
               </a:rPr>
-              <a:t>5/4/2015</a:t>
+              <a:t>5/6/2015</a:t>
             </a:fld>
             <a:endParaRPr lang="en-US" dirty="0">
               <a:solidFill>
@@ -7165,7 +7896,7 @@
               <a:pPr>
                 <a:defRPr/>
               </a:pPr>
-              <a:t>5/4/2015</a:t>
+              <a:t>5/6/2015</a:t>
             </a:fld>
             <a:endParaRPr lang="en-US" dirty="0">
               <a:solidFill>
@@ -7390,7 +8121,7 @@
               <a:pPr>
                 <a:defRPr/>
               </a:pPr>
-              <a:t>5/4/2015</a:t>
+              <a:t>5/6/2015</a:t>
             </a:fld>
             <a:endParaRPr lang="en-US" dirty="0">
               <a:solidFill>
@@ -7635,7 +8366,7 @@
                   </a:srgbClr>
                 </a:solidFill>
               </a:rPr>
-              <a:t>5/4/2015</a:t>
+              <a:t>5/6/2015</a:t>
             </a:fld>
             <a:endParaRPr lang="en-US" dirty="0">
               <a:solidFill>
@@ -8010,7 +8741,7 @@
                   </a:srgbClr>
                 </a:solidFill>
               </a:rPr>
-              <a:t>5/4/2015</a:t>
+              <a:t>5/6/2015</a:t>
             </a:fld>
             <a:endParaRPr lang="en-US" dirty="0">
               <a:solidFill>
@@ -8312,7 +9043,7 @@
                   </a:srgbClr>
                 </a:solidFill>
               </a:rPr>
-              <a:t>5/4/2015</a:t>
+              <a:t>5/6/2015</a:t>
             </a:fld>
             <a:endParaRPr lang="en-US" dirty="0">
               <a:solidFill>
@@ -8469,7 +9200,7 @@
                   </a:srgbClr>
                 </a:solidFill>
               </a:rPr>
-              <a:t>5/4/2015</a:t>
+              <a:t>5/6/2015</a:t>
             </a:fld>
             <a:endParaRPr lang="en-US" dirty="0">
               <a:solidFill>
@@ -8824,7 +9555,7 @@
                   </a:srgbClr>
                 </a:solidFill>
               </a:rPr>
-              <a:t>5/4/2015</a:t>
+              <a:t>5/6/2015</a:t>
             </a:fld>
             <a:endParaRPr lang="en-US" dirty="0">
               <a:solidFill>
@@ -9160,7 +9891,7 @@
                   </a:srgbClr>
                 </a:solidFill>
               </a:rPr>
-              <a:t>5/4/2015</a:t>
+              <a:t>5/6/2015</a:t>
             </a:fld>
             <a:endParaRPr lang="en-US" dirty="0">
               <a:solidFill>
@@ -9397,7 +10128,7 @@
                   </a:srgbClr>
                 </a:solidFill>
               </a:rPr>
-              <a:t>5/4/2015</a:t>
+              <a:t>5/6/2015</a:t>
             </a:fld>
             <a:endParaRPr lang="en-US" dirty="0">
               <a:solidFill>
@@ -9680,7 +10411,7 @@
             <a:fld id="{5AE4DD19-95FB-4280-9209-E7E1030A9938}" type="datetime1">
               <a:rPr lang="en-US" smtClean="0"/>
               <a:pPr/>
-              <a:t>5/4/2015</a:t>
+              <a:t>5/6/2015</a:t>
             </a:fld>
             <a:r>
               <a:rPr lang="en-US" dirty="0" smtClean="0"/>
@@ -10653,7 +11384,7 @@
                 </a:spcAft>
                 <a:defRPr/>
               </a:pPr>
-              <a:t>5/4/2015</a:t>
+              <a:t>5/6/2015</a:t>
             </a:fld>
             <a:endParaRPr lang="en-US" dirty="0">
               <a:solidFill>
@@ -11398,11 +12129,11 @@
             </a:br>
             <a:r>
               <a:rPr lang="en-US" sz="6000" spc="-150" dirty="0" smtClean="0"/>
-              <a:t>- </a:t>
+              <a:t>- Using </a:t>
             </a:r>
             <a:r>
               <a:rPr lang="en-US" sz="6000" spc="-150" dirty="0" smtClean="0"/>
-              <a:t>Using mdTranslator</a:t>
+              <a:t>mdTranslator API</a:t>
             </a:r>
             <a:r>
               <a:rPr lang="en-US" sz="6600" spc="-150" dirty="0" smtClean="0"/>
@@ -11465,19 +12196,7 @@
                   </a:outerShdw>
                 </a:effectLst>
               </a:rPr>
-              <a:t>Stan Smith, </a:t>
-            </a:r>
-            <a:r>
-              <a:rPr lang="en-US" dirty="0" smtClean="0">
-                <a:effectLst>
-                  <a:outerShdw blurRad="38100" dist="38100" dir="2700000" algn="tl">
-                    <a:srgbClr val="000000">
-                      <a:alpha val="43137"/>
-                    </a:srgbClr>
-                  </a:outerShdw>
-                </a:effectLst>
-              </a:rPr>
-              <a:t>USGS</a:t>
+              <a:t>Stan Smith, USGS</a:t>
             </a:r>
           </a:p>
           <a:p>
@@ -11554,749 +12273,6 @@
 </p:sld>
 </file>
 
-<file path=ppt/slides/slide10.xml><?xml version="1.0" encoding="utf-8"?>
-<p:sld xmlns:a="http://schemas.openxmlformats.org/drawingml/2006/main" xmlns:r="http://schemas.openxmlformats.org/officeDocument/2006/relationships" xmlns:p="http://schemas.openxmlformats.org/presentationml/2006/main">
-  <p:cSld>
-    <p:spTree>
-      <p:nvGrpSpPr>
-        <p:cNvPr id="1" name=""/>
-        <p:cNvGrpSpPr/>
-        <p:nvPr/>
-      </p:nvGrpSpPr>
-      <p:grpSpPr>
-        <a:xfrm>
-          <a:off x="0" y="0"/>
-          <a:ext cx="0" cy="0"/>
-          <a:chOff x="0" y="0"/>
-          <a:chExt cx="0" cy="0"/>
-        </a:xfrm>
-      </p:grpSpPr>
-      <p:sp>
-        <p:nvSpPr>
-          <p:cNvPr id="2" name="Title 1"/>
-          <p:cNvSpPr>
-            <a:spLocks noGrp="1"/>
-          </p:cNvSpPr>
-          <p:nvPr>
-            <p:ph type="title"/>
-          </p:nvPr>
-        </p:nvSpPr>
-        <p:spPr/>
-        <p:txBody>
-          <a:bodyPr/>
-          <a:lstStyle/>
-          <a:p>
-            <a:endParaRPr lang="en-US"/>
-          </a:p>
-        </p:txBody>
-      </p:sp>
-      <p:sp>
-        <p:nvSpPr>
-          <p:cNvPr id="3" name="Content Placeholder 2"/>
-          <p:cNvSpPr>
-            <a:spLocks noGrp="1"/>
-          </p:cNvSpPr>
-          <p:nvPr>
-            <p:ph idx="1"/>
-          </p:nvPr>
-        </p:nvSpPr>
-        <p:spPr/>
-        <p:txBody>
-          <a:bodyPr/>
-          <a:lstStyle/>
-          <a:p>
-            <a:pPr lvl="0"/>
-            <a:r>
-              <a:rPr lang="en-US" sz="3000" dirty="0" err="1">
-                <a:solidFill>
-                  <a:prstClr val="black"/>
-                </a:solidFill>
-                <a:latin typeface="Calibri"/>
-                <a:ea typeface="+mn-ea"/>
-                <a:cs typeface="+mn-cs"/>
-              </a:rPr>
-              <a:t>api</a:t>
-            </a:r>
-            <a:r>
-              <a:rPr lang="en-US" sz="3000" dirty="0">
-                <a:solidFill>
-                  <a:prstClr val="black"/>
-                </a:solidFill>
-                <a:latin typeface="Calibri"/>
-                <a:ea typeface="+mn-ea"/>
-                <a:cs typeface="+mn-cs"/>
-              </a:rPr>
-              <a:t>/</a:t>
-            </a:r>
-            <a:r>
-              <a:rPr lang="en-US" sz="3000" dirty="0" err="1">
-                <a:solidFill>
-                  <a:prstClr val="black"/>
-                </a:solidFill>
-                <a:latin typeface="Calibri"/>
-                <a:ea typeface="+mn-ea"/>
-                <a:cs typeface="+mn-cs"/>
-              </a:rPr>
-              <a:t>codelists</a:t>
-            </a:r>
-            <a:r>
-              <a:rPr lang="en-US" sz="3000" dirty="0">
-                <a:solidFill>
-                  <a:prstClr val="black"/>
-                </a:solidFill>
-                <a:latin typeface="Calibri"/>
-                <a:ea typeface="+mn-ea"/>
-                <a:cs typeface="+mn-cs"/>
-              </a:rPr>
-              <a:t> – use chrome w/ JSON viewer</a:t>
-            </a:r>
-          </a:p>
-          <a:p>
-            <a:pPr lvl="1">
-              <a:buFont typeface="Arial" panose="020B0604020202020204" pitchFamily="34" charset="0"/>
-              <a:buChar char="–"/>
-            </a:pPr>
-            <a:r>
-              <a:rPr lang="en-US" sz="2600" dirty="0">
-                <a:solidFill>
-                  <a:prstClr val="black"/>
-                </a:solidFill>
-                <a:latin typeface="Calibri"/>
-                <a:ea typeface="+mn-ea"/>
-                <a:cs typeface="+mn-cs"/>
-              </a:rPr>
-              <a:t>/</a:t>
-            </a:r>
-            <a:r>
-              <a:rPr lang="en-US" sz="2600" dirty="0" err="1">
-                <a:solidFill>
-                  <a:prstClr val="black"/>
-                </a:solidFill>
-                <a:latin typeface="Calibri"/>
-                <a:ea typeface="+mn-ea"/>
-                <a:cs typeface="+mn-cs"/>
-              </a:rPr>
-              <a:t>codelists</a:t>
-            </a:r>
-            <a:r>
-              <a:rPr lang="en-US" sz="2600" dirty="0">
-                <a:solidFill>
-                  <a:prstClr val="black"/>
-                </a:solidFill>
-                <a:latin typeface="Calibri"/>
-                <a:ea typeface="+mn-ea"/>
-                <a:cs typeface="+mn-cs"/>
-              </a:rPr>
-              <a:t> # returns JSON </a:t>
-            </a:r>
-            <a:r>
-              <a:rPr lang="en-US" sz="2600" dirty="0" err="1">
-                <a:solidFill>
-                  <a:prstClr val="black"/>
-                </a:solidFill>
-                <a:latin typeface="Calibri"/>
-                <a:ea typeface="+mn-ea"/>
-                <a:cs typeface="+mn-cs"/>
-              </a:rPr>
-              <a:t>codelist</a:t>
-            </a:r>
-            <a:r>
-              <a:rPr lang="en-US" sz="2600" dirty="0">
-                <a:solidFill>
-                  <a:prstClr val="black"/>
-                </a:solidFill>
-                <a:latin typeface="Calibri"/>
-                <a:ea typeface="+mn-ea"/>
-                <a:cs typeface="+mn-cs"/>
-              </a:rPr>
-              <a:t> name w/codes</a:t>
-            </a:r>
-          </a:p>
-          <a:p>
-            <a:pPr lvl="1">
-              <a:buFont typeface="Arial" panose="020B0604020202020204" pitchFamily="34" charset="0"/>
-              <a:buChar char="–"/>
-            </a:pPr>
-            <a:r>
-              <a:rPr lang="en-US" sz="2600" dirty="0">
-                <a:solidFill>
-                  <a:prstClr val="black"/>
-                </a:solidFill>
-                <a:latin typeface="Calibri"/>
-                <a:ea typeface="+mn-ea"/>
-                <a:cs typeface="+mn-cs"/>
-              </a:rPr>
-              <a:t>/</a:t>
-            </a:r>
-            <a:r>
-              <a:rPr lang="en-US" sz="2600" dirty="0" err="1">
-                <a:solidFill>
-                  <a:prstClr val="black"/>
-                </a:solidFill>
-                <a:latin typeface="Calibri"/>
-                <a:ea typeface="+mn-ea"/>
-                <a:cs typeface="+mn-cs"/>
-              </a:rPr>
-              <a:t>codelists?format</a:t>
-            </a:r>
-            <a:r>
-              <a:rPr lang="en-US" sz="2600" dirty="0">
-                <a:solidFill>
-                  <a:prstClr val="black"/>
-                </a:solidFill>
-                <a:latin typeface="Calibri"/>
-                <a:ea typeface="+mn-ea"/>
-                <a:cs typeface="+mn-cs"/>
-              </a:rPr>
-              <a:t>=</a:t>
-            </a:r>
-            <a:r>
-              <a:rPr lang="en-US" sz="2600" dirty="0" err="1">
-                <a:solidFill>
-                  <a:prstClr val="black"/>
-                </a:solidFill>
-                <a:latin typeface="Calibri"/>
-                <a:ea typeface="+mn-ea"/>
-                <a:cs typeface="+mn-cs"/>
-              </a:rPr>
-              <a:t>json</a:t>
-            </a:r>
-            <a:r>
-              <a:rPr lang="en-US" sz="2600" dirty="0">
-                <a:solidFill>
-                  <a:prstClr val="black"/>
-                </a:solidFill>
-                <a:latin typeface="Calibri"/>
-                <a:ea typeface="+mn-ea"/>
-                <a:cs typeface="+mn-cs"/>
-              </a:rPr>
-              <a:t> # default (same as above)</a:t>
-            </a:r>
-          </a:p>
-          <a:p>
-            <a:pPr lvl="1">
-              <a:buFont typeface="Arial" panose="020B0604020202020204" pitchFamily="34" charset="0"/>
-              <a:buChar char="–"/>
-            </a:pPr>
-            <a:r>
-              <a:rPr lang="en-US" sz="2600" dirty="0">
-                <a:solidFill>
-                  <a:prstClr val="black"/>
-                </a:solidFill>
-                <a:latin typeface="Calibri"/>
-                <a:ea typeface="+mn-ea"/>
-                <a:cs typeface="+mn-cs"/>
-              </a:rPr>
-              <a:t>/</a:t>
-            </a:r>
-            <a:r>
-              <a:rPr lang="en-US" sz="2600" dirty="0" err="1">
-                <a:solidFill>
-                  <a:prstClr val="black"/>
-                </a:solidFill>
-                <a:latin typeface="Calibri"/>
-                <a:ea typeface="+mn-ea"/>
-                <a:cs typeface="+mn-cs"/>
-              </a:rPr>
-              <a:t>codelists?format</a:t>
-            </a:r>
-            <a:r>
-              <a:rPr lang="en-US" sz="2600" dirty="0">
-                <a:solidFill>
-                  <a:prstClr val="black"/>
-                </a:solidFill>
-                <a:latin typeface="Calibri"/>
-                <a:ea typeface="+mn-ea"/>
-                <a:cs typeface="+mn-cs"/>
-              </a:rPr>
-              <a:t>=xml # </a:t>
-            </a:r>
-            <a:r>
-              <a:rPr lang="en-US" sz="2600" dirty="0" err="1">
-                <a:solidFill>
-                  <a:prstClr val="black"/>
-                </a:solidFill>
-                <a:latin typeface="Calibri"/>
-                <a:ea typeface="+mn-ea"/>
-                <a:cs typeface="+mn-cs"/>
-              </a:rPr>
-              <a:t>CT_CodelistCatalogue</a:t>
-            </a:r>
-            <a:endParaRPr lang="en-US" sz="2600" dirty="0">
-              <a:solidFill>
-                <a:prstClr val="black"/>
-              </a:solidFill>
-              <a:latin typeface="Calibri"/>
-              <a:ea typeface="+mn-ea"/>
-              <a:cs typeface="+mn-cs"/>
-            </a:endParaRPr>
-          </a:p>
-          <a:p>
-            <a:pPr lvl="1">
-              <a:buFont typeface="Arial" panose="020B0604020202020204" pitchFamily="34" charset="0"/>
-              <a:buChar char="–"/>
-            </a:pPr>
-            <a:r>
-              <a:rPr lang="en-US" sz="2600" dirty="0">
-                <a:solidFill>
-                  <a:prstClr val="black"/>
-                </a:solidFill>
-                <a:latin typeface="Calibri"/>
-                <a:ea typeface="+mn-ea"/>
-                <a:cs typeface="+mn-cs"/>
-              </a:rPr>
-              <a:t>/</a:t>
-            </a:r>
-            <a:r>
-              <a:rPr lang="en-US" sz="2600" dirty="0" err="1">
-                <a:solidFill>
-                  <a:prstClr val="black"/>
-                </a:solidFill>
-                <a:latin typeface="Calibri"/>
-                <a:ea typeface="+mn-ea"/>
-                <a:cs typeface="+mn-cs"/>
-              </a:rPr>
-              <a:t>codelists?definitions</a:t>
-            </a:r>
-            <a:r>
-              <a:rPr lang="en-US" sz="2600" dirty="0">
-                <a:solidFill>
-                  <a:prstClr val="black"/>
-                </a:solidFill>
-                <a:latin typeface="Calibri"/>
-                <a:ea typeface="+mn-ea"/>
-                <a:cs typeface="+mn-cs"/>
-              </a:rPr>
-              <a:t>=true # codes and definitions</a:t>
-            </a:r>
-          </a:p>
-          <a:p>
-            <a:pPr lvl="1">
-              <a:buFont typeface="Arial" panose="020B0604020202020204" pitchFamily="34" charset="0"/>
-              <a:buChar char="–"/>
-            </a:pPr>
-            <a:r>
-              <a:rPr lang="en-US" sz="2600" dirty="0">
-                <a:solidFill>
-                  <a:prstClr val="black"/>
-                </a:solidFill>
-                <a:latin typeface="Calibri"/>
-                <a:ea typeface="+mn-ea"/>
-                <a:cs typeface="+mn-cs"/>
-              </a:rPr>
-              <a:t>/</a:t>
-            </a:r>
-            <a:r>
-              <a:rPr lang="en-US" sz="2600" dirty="0" err="1">
-                <a:solidFill>
-                  <a:prstClr val="black"/>
-                </a:solidFill>
-                <a:latin typeface="Calibri"/>
-                <a:ea typeface="+mn-ea"/>
-                <a:cs typeface="+mn-cs"/>
-              </a:rPr>
-              <a:t>codelists?callback</a:t>
-            </a:r>
-            <a:r>
-              <a:rPr lang="en-US" sz="2600" dirty="0">
-                <a:solidFill>
-                  <a:prstClr val="black"/>
-                </a:solidFill>
-                <a:latin typeface="Calibri"/>
-                <a:ea typeface="+mn-ea"/>
-                <a:cs typeface="+mn-cs"/>
-              </a:rPr>
-              <a:t>=</a:t>
-            </a:r>
-            <a:r>
-              <a:rPr lang="en-US" sz="2600" dirty="0" err="1">
-                <a:solidFill>
-                  <a:prstClr val="black"/>
-                </a:solidFill>
-                <a:latin typeface="Calibri"/>
-                <a:ea typeface="+mn-ea"/>
-                <a:cs typeface="+mn-cs"/>
-              </a:rPr>
-              <a:t>myCall</a:t>
-            </a:r>
-            <a:r>
-              <a:rPr lang="en-US" sz="2600" dirty="0">
-                <a:solidFill>
-                  <a:prstClr val="black"/>
-                </a:solidFill>
-                <a:latin typeface="Calibri"/>
-                <a:ea typeface="+mn-ea"/>
-                <a:cs typeface="+mn-cs"/>
-              </a:rPr>
-              <a:t> # </a:t>
-            </a:r>
-            <a:r>
-              <a:rPr lang="en-US" sz="2600" dirty="0" err="1">
-                <a:solidFill>
-                  <a:prstClr val="black"/>
-                </a:solidFill>
-                <a:latin typeface="Calibri"/>
-                <a:ea typeface="+mn-ea"/>
-                <a:cs typeface="+mn-cs"/>
-              </a:rPr>
-              <a:t>JSONp</a:t>
-            </a:r>
-            <a:r>
-              <a:rPr lang="en-US" sz="2600" dirty="0">
-                <a:solidFill>
-                  <a:prstClr val="black"/>
-                </a:solidFill>
-                <a:latin typeface="Calibri"/>
-                <a:ea typeface="+mn-ea"/>
-                <a:cs typeface="+mn-cs"/>
-              </a:rPr>
-              <a:t> wrapper</a:t>
-            </a:r>
-          </a:p>
-          <a:p>
-            <a:endParaRPr lang="en-US" dirty="0"/>
-          </a:p>
-        </p:txBody>
-      </p:sp>
-      <p:sp>
-        <p:nvSpPr>
-          <p:cNvPr id="4" name="Date Placeholder 3"/>
-          <p:cNvSpPr>
-            <a:spLocks noGrp="1"/>
-          </p:cNvSpPr>
-          <p:nvPr>
-            <p:ph type="dt" sz="half" idx="10"/>
-          </p:nvPr>
-        </p:nvSpPr>
-        <p:spPr/>
-        <p:txBody>
-          <a:bodyPr/>
-          <a:lstStyle/>
-          <a:p>
-            <a:pPr>
-              <a:defRPr/>
-            </a:pPr>
-            <a:fld id="{6C3DD7D0-7E54-4926-8269-92427B4182BC}" type="datetime1">
-              <a:rPr lang="en-US" smtClean="0">
-                <a:solidFill>
-                  <a:srgbClr val="04617B">
-                    <a:shade val="90000"/>
-                  </a:srgbClr>
-                </a:solidFill>
-              </a:rPr>
-              <a:t>5/4/2015</a:t>
-            </a:fld>
-            <a:endParaRPr lang="en-US" dirty="0">
-              <a:solidFill>
-                <a:srgbClr val="04617B">
-                  <a:shade val="90000"/>
-                </a:srgbClr>
-              </a:solidFill>
-            </a:endParaRPr>
-          </a:p>
-        </p:txBody>
-      </p:sp>
-      <p:sp>
-        <p:nvSpPr>
-          <p:cNvPr id="5" name="Footer Placeholder 4"/>
-          <p:cNvSpPr>
-            <a:spLocks noGrp="1"/>
-          </p:cNvSpPr>
-          <p:nvPr>
-            <p:ph type="ftr" sz="quarter" idx="11"/>
-          </p:nvPr>
-        </p:nvSpPr>
-        <p:spPr/>
-        <p:txBody>
-          <a:bodyPr/>
-          <a:lstStyle/>
-          <a:p>
-            <a:pPr>
-              <a:defRPr/>
-            </a:pPr>
-            <a:r>
-              <a:rPr lang="en-US" smtClean="0">
-                <a:solidFill>
-                  <a:srgbClr val="04617B">
-                    <a:shade val="90000"/>
-                  </a:srgbClr>
-                </a:solidFill>
-              </a:rPr>
-              <a:t>www.adiwg.org</a:t>
-            </a:r>
-            <a:endParaRPr lang="en-US" dirty="0" smtClean="0">
-              <a:solidFill>
-                <a:srgbClr val="04617B">
-                  <a:shade val="90000"/>
-                </a:srgbClr>
-              </a:solidFill>
-            </a:endParaRPr>
-          </a:p>
-        </p:txBody>
-      </p:sp>
-      <p:sp>
-        <p:nvSpPr>
-          <p:cNvPr id="6" name="Slide Number Placeholder 5"/>
-          <p:cNvSpPr>
-            <a:spLocks noGrp="1"/>
-          </p:cNvSpPr>
-          <p:nvPr>
-            <p:ph type="sldNum" sz="quarter" idx="12"/>
-          </p:nvPr>
-        </p:nvSpPr>
-        <p:spPr/>
-        <p:txBody>
-          <a:bodyPr/>
-          <a:lstStyle/>
-          <a:p>
-            <a:pPr>
-              <a:defRPr/>
-            </a:pPr>
-            <a:fld id="{D96B19B3-FA35-4262-952F-7D873B09162D}" type="slidenum">
-              <a:rPr lang="en-US" smtClean="0">
-                <a:solidFill>
-                  <a:srgbClr val="04617B">
-                    <a:shade val="90000"/>
-                  </a:srgbClr>
-                </a:solidFill>
-              </a:rPr>
-              <a:pPr>
-                <a:defRPr/>
-              </a:pPr>
-              <a:t>10</a:t>
-            </a:fld>
-            <a:endParaRPr lang="en-US" dirty="0">
-              <a:solidFill>
-                <a:srgbClr val="04617B">
-                  <a:shade val="90000"/>
-                </a:srgbClr>
-              </a:solidFill>
-            </a:endParaRPr>
-          </a:p>
-        </p:txBody>
-      </p:sp>
-    </p:spTree>
-    <p:extLst>
-      <p:ext uri="{BB962C8B-B14F-4D97-AF65-F5344CB8AC3E}">
-        <p14:creationId xmlns:p14="http://schemas.microsoft.com/office/powerpoint/2010/main" val="4249775794"/>
-      </p:ext>
-    </p:extLst>
-  </p:cSld>
-  <p:clrMapOvr>
-    <a:masterClrMapping/>
-  </p:clrMapOvr>
-</p:sld>
-</file>
-
-<file path=ppt/slides/slide11.xml><?xml version="1.0" encoding="utf-8"?>
-<p:sld xmlns:a="http://schemas.openxmlformats.org/drawingml/2006/main" xmlns:r="http://schemas.openxmlformats.org/officeDocument/2006/relationships" xmlns:p="http://schemas.openxmlformats.org/presentationml/2006/main">
-  <p:cSld>
-    <p:spTree>
-      <p:nvGrpSpPr>
-        <p:cNvPr id="1" name=""/>
-        <p:cNvGrpSpPr/>
-        <p:nvPr/>
-      </p:nvGrpSpPr>
-      <p:grpSpPr>
-        <a:xfrm>
-          <a:off x="0" y="0"/>
-          <a:ext cx="0" cy="0"/>
-          <a:chOff x="0" y="0"/>
-          <a:chExt cx="0" cy="0"/>
-        </a:xfrm>
-      </p:grpSpPr>
-      <p:sp>
-        <p:nvSpPr>
-          <p:cNvPr id="8" name="Title 7"/>
-          <p:cNvSpPr>
-            <a:spLocks noGrp="1"/>
-          </p:cNvSpPr>
-          <p:nvPr>
-            <p:ph type="title"/>
-          </p:nvPr>
-        </p:nvSpPr>
-        <p:spPr/>
-        <p:txBody>
-          <a:bodyPr/>
-          <a:lstStyle/>
-          <a:p>
-            <a:r>
-              <a:rPr lang="en-US" dirty="0" smtClean="0"/>
-              <a:t>Questions?</a:t>
-            </a:r>
-            <a:endParaRPr lang="en-US" dirty="0"/>
-          </a:p>
-        </p:txBody>
-      </p:sp>
-      <p:sp>
-        <p:nvSpPr>
-          <p:cNvPr id="4" name="Date Placeholder 3"/>
-          <p:cNvSpPr>
-            <a:spLocks noGrp="1"/>
-          </p:cNvSpPr>
-          <p:nvPr>
-            <p:ph type="dt" sz="half" idx="10"/>
-          </p:nvPr>
-        </p:nvSpPr>
-        <p:spPr/>
-        <p:txBody>
-          <a:bodyPr/>
-          <a:lstStyle/>
-          <a:p>
-            <a:pPr>
-              <a:defRPr/>
-            </a:pPr>
-            <a:fld id="{4C1DFB75-B4A1-4E54-8AFD-FBCAC108816F}" type="datetime1">
-              <a:rPr lang="en-US" smtClean="0">
-                <a:solidFill>
-                  <a:srgbClr val="04617B">
-                    <a:shade val="90000"/>
-                  </a:srgbClr>
-                </a:solidFill>
-              </a:rPr>
-              <a:t>5/4/2015</a:t>
-            </a:fld>
-            <a:endParaRPr lang="en-US" dirty="0">
-              <a:solidFill>
-                <a:srgbClr val="04617B">
-                  <a:shade val="90000"/>
-                </a:srgbClr>
-              </a:solidFill>
-            </a:endParaRPr>
-          </a:p>
-        </p:txBody>
-      </p:sp>
-      <p:sp>
-        <p:nvSpPr>
-          <p:cNvPr id="6" name="Footer Placeholder 5"/>
-          <p:cNvSpPr>
-            <a:spLocks noGrp="1"/>
-          </p:cNvSpPr>
-          <p:nvPr>
-            <p:ph type="ftr" sz="quarter" idx="11"/>
-          </p:nvPr>
-        </p:nvSpPr>
-        <p:spPr/>
-        <p:txBody>
-          <a:bodyPr/>
-          <a:lstStyle/>
-          <a:p>
-            <a:pPr>
-              <a:defRPr/>
-            </a:pPr>
-            <a:r>
-              <a:rPr lang="en-US" dirty="0" smtClean="0">
-                <a:solidFill>
-                  <a:srgbClr val="04617B">
-                    <a:shade val="90000"/>
-                  </a:srgbClr>
-                </a:solidFill>
-              </a:rPr>
-              <a:t>www.adiwg.org</a:t>
-            </a:r>
-          </a:p>
-        </p:txBody>
-      </p:sp>
-      <p:sp>
-        <p:nvSpPr>
-          <p:cNvPr id="2" name="Slide Number Placeholder 1"/>
-          <p:cNvSpPr>
-            <a:spLocks noGrp="1"/>
-          </p:cNvSpPr>
-          <p:nvPr>
-            <p:ph type="sldNum" sz="quarter" idx="12"/>
-          </p:nvPr>
-        </p:nvSpPr>
-        <p:spPr/>
-        <p:txBody>
-          <a:bodyPr/>
-          <a:lstStyle/>
-          <a:p>
-            <a:fld id="{521E745E-8DCD-4372-A04E-1A39D68E2162}" type="slidenum">
-              <a:rPr lang="en-US" smtClean="0"/>
-              <a:t>11</a:t>
-            </a:fld>
-            <a:endParaRPr lang="en-US" dirty="0"/>
-          </a:p>
-        </p:txBody>
-      </p:sp>
-      <p:sp>
-        <p:nvSpPr>
-          <p:cNvPr id="3" name="Content Placeholder 2"/>
-          <p:cNvSpPr>
-            <a:spLocks noGrp="1"/>
-          </p:cNvSpPr>
-          <p:nvPr>
-            <p:ph idx="4294967295"/>
-          </p:nvPr>
-        </p:nvSpPr>
-        <p:spPr>
-          <a:xfrm>
-            <a:off x="0" y="1600200"/>
-            <a:ext cx="8229600" cy="3886200"/>
-          </a:xfrm>
-        </p:spPr>
-        <p:txBody>
-          <a:bodyPr>
-            <a:normAutofit/>
-          </a:bodyPr>
-          <a:lstStyle/>
-          <a:p>
-            <a:endParaRPr lang="en-US" sz="1600" dirty="0" smtClean="0"/>
-          </a:p>
-          <a:p>
-            <a:pPr marL="0" indent="0">
-              <a:buNone/>
-            </a:pPr>
-            <a:endParaRPr lang="en-US" sz="2000" dirty="0" smtClean="0"/>
-          </a:p>
-          <a:p>
-            <a:endParaRPr lang="en-US" sz="2000" dirty="0" smtClean="0"/>
-          </a:p>
-        </p:txBody>
-      </p:sp>
-      <p:graphicFrame>
-        <p:nvGraphicFramePr>
-          <p:cNvPr id="7" name="Diagram 6"/>
-          <p:cNvGraphicFramePr/>
-          <p:nvPr>
-            <p:extLst>
-              <p:ext uri="{D42A27DB-BD31-4B8C-83A1-F6EECF244321}">
-                <p14:modId xmlns:p14="http://schemas.microsoft.com/office/powerpoint/2010/main" val="4275234961"/>
-              </p:ext>
-            </p:extLst>
-          </p:nvPr>
-        </p:nvGraphicFramePr>
-        <p:xfrm>
-          <a:off x="1524000" y="1333500"/>
-          <a:ext cx="6096000" cy="4191000"/>
-        </p:xfrm>
-        <a:graphic>
-          <a:graphicData uri="http://schemas.openxmlformats.org/drawingml/2006/diagram">
-            <dgm:relIds xmlns:dgm="http://schemas.openxmlformats.org/drawingml/2006/diagram" xmlns:r="http://schemas.openxmlformats.org/officeDocument/2006/relationships" r:dm="rId3" r:lo="rId4" r:qs="rId5" r:cs="rId6"/>
-          </a:graphicData>
-        </a:graphic>
-      </p:graphicFrame>
-    </p:spTree>
-    <p:extLst>
-      <p:ext uri="{BB962C8B-B14F-4D97-AF65-F5344CB8AC3E}">
-        <p14:creationId xmlns:p14="http://schemas.microsoft.com/office/powerpoint/2010/main" val="3037910115"/>
-      </p:ext>
-    </p:extLst>
-  </p:cSld>
-  <p:clrMapOvr>
-    <a:masterClrMapping/>
-  </p:clrMapOvr>
-  <p:timing>
-    <p:tnLst>
-      <p:par>
-        <p:cTn id="1" dur="indefinite" restart="never" nodeType="tmRoot"/>
-      </p:par>
-    </p:tnLst>
-  </p:timing>
-</p:sld>
-</file>
-
 <file path=ppt/slides/slide2.xml><?xml version="1.0" encoding="utf-8"?>
 <p:sld xmlns:a="http://schemas.openxmlformats.org/drawingml/2006/main" xmlns:r="http://schemas.openxmlformats.org/officeDocument/2006/relationships" xmlns:p="http://schemas.openxmlformats.org/presentationml/2006/main">
   <p:cSld>
@@ -12329,7 +12305,11 @@
           <a:bodyPr/>
           <a:lstStyle/>
           <a:p>
-            <a:endParaRPr lang="en-US"/>
+            <a:r>
+              <a:rPr lang="en-US" dirty="0"/>
+              <a:t>mdTranslator as web service</a:t>
+            </a:r>
+            <a:endParaRPr lang="en-US" dirty="0"/>
           </a:p>
         </p:txBody>
       </p:sp>
@@ -12359,7 +12339,7 @@
                   </a:srgbClr>
                 </a:solidFill>
               </a:rPr>
-              <a:t>5/4/2015</a:t>
+              <a:t>5/6/2015</a:t>
             </a:fld>
             <a:endParaRPr lang="en-US" dirty="0">
               <a:solidFill>
@@ -29306,7 +29286,7 @@
               <p:nvPr/>
             </p:nvPicPr>
             <p:blipFill>
-              <a:blip r:embed="rId2">
+              <a:blip r:embed="rId3">
                 <a:extLst>
                   <a:ext uri="{28A0092B-C50C-407E-A947-70E740481C1C}">
                     <a14:useLocalDpi xmlns:a14="http://schemas.microsoft.com/office/drawing/2010/main" val="0"/>
@@ -29615,7 +29595,7 @@
             <p:nvPr/>
           </p:nvPicPr>
           <p:blipFill>
-            <a:blip r:embed="rId3">
+            <a:blip r:embed="rId4">
               <a:extLst>
                 <a:ext uri="{28A0092B-C50C-407E-A947-70E740481C1C}">
                   <a14:useLocalDpi xmlns:a14="http://schemas.microsoft.com/office/drawing/2010/main" val="0"/>
@@ -29870,6 +29850,55 @@
           </a:p>
         </p:txBody>
       </p:sp>
+      <p:sp>
+        <p:nvSpPr>
+          <p:cNvPr id="3" name="TextBox 2">
+            <a:hlinkClick r:id="rId5"/>
+          </p:cNvPr>
+          <p:cNvSpPr txBox="1"/>
+          <p:nvPr/>
+        </p:nvSpPr>
+        <p:spPr>
+          <a:xfrm>
+            <a:off x="847747" y="5211050"/>
+            <a:ext cx="3724096" cy="369332"/>
+          </a:xfrm>
+          <a:prstGeom prst="rect">
+            <a:avLst/>
+          </a:prstGeom>
+          <a:noFill/>
+        </p:spPr>
+        <p:txBody>
+          <a:bodyPr wrap="none" rtlCol="0">
+            <a:spAutoFit/>
+          </a:bodyPr>
+          <a:lstStyle/>
+          <a:p>
+            <a:r>
+              <a:rPr lang="en-US" dirty="0">
+                <a:solidFill>
+                  <a:schemeClr val="tx1">
+                    <a:lumMod val="65000"/>
+                    <a:lumOff val="35000"/>
+                  </a:schemeClr>
+                </a:solidFill>
+                <a:latin typeface="Lucida Sans" panose="020B0602030504020204" pitchFamily="34" charset="0"/>
+                <a:hlinkClick r:id="rId5"/>
+              </a:rPr>
+              <a:t>http://mdtranslator.adiwg.org/</a:t>
+            </a:r>
+            <a:endParaRPr lang="en-US" dirty="0" smtClean="0">
+              <a:solidFill>
+                <a:schemeClr val="tx1">
+                  <a:lumMod val="65000"/>
+                  <a:lumOff val="35000"/>
+                </a:schemeClr>
+              </a:solidFill>
+              <a:latin typeface="Lucida Sans" panose="020B0602030504020204" pitchFamily="34" charset="0"/>
+            </a:endParaRPr>
+          </a:p>
+        </p:txBody>
+      </p:sp>
     </p:spTree>
     <p:extLst>
       <p:ext uri="{BB962C8B-B14F-4D97-AF65-F5344CB8AC3E}">
@@ -29922,7 +29951,11 @@
           <a:bodyPr/>
           <a:lstStyle/>
           <a:p>
-            <a:endParaRPr lang="en-US"/>
+            <a:r>
+              <a:rPr lang="en-US" dirty="0"/>
+              <a:t>mdTranslator as web service</a:t>
+            </a:r>
+            <a:endParaRPr lang="en-US" dirty="0"/>
           </a:p>
         </p:txBody>
       </p:sp>
@@ -29952,7 +29985,7 @@
                   </a:srgbClr>
                 </a:solidFill>
               </a:rPr>
-              <a:t>5/4/2015</a:t>
+              <a:t>5/6/2015</a:t>
             </a:fld>
             <a:endParaRPr lang="en-US" dirty="0">
               <a:solidFill>
@@ -46899,7 +46932,7 @@
               <p:nvPr/>
             </p:nvPicPr>
             <p:blipFill>
-              <a:blip r:embed="rId2">
+              <a:blip r:embed="rId3">
                 <a:extLst>
                   <a:ext uri="{28A0092B-C50C-407E-A947-70E740481C1C}">
                     <a14:useLocalDpi xmlns:a14="http://schemas.microsoft.com/office/drawing/2010/main" val="0"/>
@@ -47208,7 +47241,7 @@
             <p:nvPr/>
           </p:nvPicPr>
           <p:blipFill>
-            <a:blip r:embed="rId3">
+            <a:blip r:embed="rId4">
               <a:extLst>
                 <a:ext uri="{28A0092B-C50C-407E-A947-70E740481C1C}">
                   <a14:useLocalDpi xmlns:a14="http://schemas.microsoft.com/office/drawing/2010/main" val="0"/>
@@ -47690,6 +47723,55 @@
           </a:p>
         </p:txBody>
       </p:sp>
+      <p:sp>
+        <p:nvSpPr>
+          <p:cNvPr id="77" name="TextBox 76">
+            <a:hlinkClick r:id="rId5"/>
+          </p:cNvPr>
+          <p:cNvSpPr txBox="1"/>
+          <p:nvPr/>
+        </p:nvSpPr>
+        <p:spPr>
+          <a:xfrm>
+            <a:off x="847747" y="5211050"/>
+            <a:ext cx="3724096" cy="369332"/>
+          </a:xfrm>
+          <a:prstGeom prst="rect">
+            <a:avLst/>
+          </a:prstGeom>
+          <a:noFill/>
+        </p:spPr>
+        <p:txBody>
+          <a:bodyPr wrap="none" rtlCol="0">
+            <a:spAutoFit/>
+          </a:bodyPr>
+          <a:lstStyle/>
+          <a:p>
+            <a:r>
+              <a:rPr lang="en-US" dirty="0">
+                <a:solidFill>
+                  <a:schemeClr val="tx1">
+                    <a:lumMod val="65000"/>
+                    <a:lumOff val="35000"/>
+                  </a:schemeClr>
+                </a:solidFill>
+                <a:latin typeface="Lucida Sans" panose="020B0602030504020204" pitchFamily="34" charset="0"/>
+                <a:hlinkClick r:id="rId5"/>
+              </a:rPr>
+              <a:t>http://mdtranslator.adiwg.org/</a:t>
+            </a:r>
+            <a:endParaRPr lang="en-US" dirty="0" smtClean="0">
+              <a:solidFill>
+                <a:schemeClr val="tx1">
+                  <a:lumMod val="65000"/>
+                  <a:lumOff val="35000"/>
+                </a:schemeClr>
+              </a:solidFill>
+              <a:latin typeface="Lucida Sans" panose="020B0602030504020204" pitchFamily="34" charset="0"/>
+            </a:endParaRPr>
+          </a:p>
+        </p:txBody>
+      </p:sp>
     </p:spTree>
     <p:extLst>
       <p:ext uri="{BB962C8B-B14F-4D97-AF65-F5344CB8AC3E}">
@@ -47700,6 +47782,13 @@
   <p:clrMapOvr>
     <a:masterClrMapping/>
   </p:clrMapOvr>
+  <p:timing>
+    <p:tnLst>
+      <p:par>
+        <p:cTn id="1" dur="indefinite" restart="never" nodeType="tmRoot"/>
+      </p:par>
+    </p:tnLst>
+  </p:timing>
 </p:sld>
 </file>
 
@@ -47735,339 +47824,11 @@
           <a:bodyPr/>
           <a:lstStyle/>
           <a:p>
-            <a:endParaRPr lang="en-US"/>
-          </a:p>
-        </p:txBody>
-      </p:sp>
-      <p:sp>
-        <p:nvSpPr>
-          <p:cNvPr id="3" name="Content Placeholder 2"/>
-          <p:cNvSpPr>
-            <a:spLocks noGrp="1"/>
-          </p:cNvSpPr>
-          <p:nvPr>
-            <p:ph idx="1"/>
-          </p:nvPr>
-        </p:nvSpPr>
-        <p:spPr/>
-        <p:txBody>
-          <a:bodyPr>
-            <a:normAutofit fontScale="92500" lnSpcReduction="10000"/>
-          </a:bodyPr>
-          <a:lstStyle/>
-          <a:p>
-            <a:pPr lvl="0"/>
             <a:r>
-              <a:rPr lang="en-US" sz="3200" dirty="0">
-                <a:solidFill>
-                  <a:prstClr val="black"/>
-                </a:solidFill>
-                <a:latin typeface="Calibri"/>
-                <a:ea typeface="+mn-ea"/>
-                <a:cs typeface="+mn-cs"/>
-              </a:rPr>
-              <a:t>Interacting with the hosted mdTranslator</a:t>
-            </a:r>
-          </a:p>
-          <a:p>
-            <a:pPr lvl="0"/>
-            <a:r>
-              <a:rPr lang="en-US" sz="3200" dirty="0">
-                <a:solidFill>
-                  <a:prstClr val="black"/>
-                </a:solidFill>
-                <a:latin typeface="Calibri"/>
-                <a:ea typeface="+mn-ea"/>
-                <a:cs typeface="+mn-cs"/>
-              </a:rPr>
-              <a:t>Using REST (Representational State Transfer) </a:t>
-            </a:r>
-          </a:p>
-          <a:p>
-            <a:pPr lvl="1">
-              <a:buFont typeface="Arial" panose="020B0604020202020204" pitchFamily="34" charset="0"/>
-              <a:buChar char="–"/>
-            </a:pPr>
-            <a:r>
-              <a:rPr lang="en-US" sz="2600" dirty="0">
-                <a:solidFill>
-                  <a:prstClr val="black"/>
-                </a:solidFill>
-                <a:latin typeface="Calibri"/>
-                <a:ea typeface="+mn-ea"/>
-                <a:cs typeface="+mn-cs"/>
-              </a:rPr>
-              <a:t>Architectural style for scalable web services</a:t>
-            </a:r>
-          </a:p>
-          <a:p>
-            <a:pPr lvl="1">
-              <a:buFont typeface="Arial" panose="020B0604020202020204" pitchFamily="34" charset="0"/>
-              <a:buChar char="–"/>
-            </a:pPr>
-            <a:r>
-              <a:rPr lang="en-US" sz="2600" dirty="0">
-                <a:solidFill>
-                  <a:prstClr val="black"/>
-                </a:solidFill>
-                <a:latin typeface="Calibri"/>
-                <a:ea typeface="+mn-ea"/>
-                <a:cs typeface="+mn-cs"/>
-              </a:rPr>
-              <a:t>All functionality is available via unique URLs </a:t>
-            </a:r>
-            <a:br>
-              <a:rPr lang="en-US" sz="2600" dirty="0">
-                <a:solidFill>
-                  <a:prstClr val="black"/>
-                </a:solidFill>
-                <a:latin typeface="Calibri"/>
-                <a:ea typeface="+mn-ea"/>
-                <a:cs typeface="+mn-cs"/>
-              </a:rPr>
-            </a:br>
-            <a:r>
-              <a:rPr lang="en-US" sz="2600" dirty="0">
-                <a:solidFill>
-                  <a:prstClr val="black"/>
-                </a:solidFill>
-                <a:latin typeface="Calibri"/>
-                <a:ea typeface="+mn-ea"/>
-                <a:cs typeface="+mn-cs"/>
-              </a:rPr>
-              <a:t>(aka resources or end-points)</a:t>
-            </a:r>
-          </a:p>
-          <a:p>
-            <a:pPr lvl="0"/>
-            <a:r>
-              <a:rPr lang="en-US" sz="3200" dirty="0">
-                <a:solidFill>
-                  <a:prstClr val="black"/>
-                </a:solidFill>
-                <a:latin typeface="Calibri"/>
-                <a:ea typeface="+mn-ea"/>
-                <a:cs typeface="+mn-cs"/>
-              </a:rPr>
-              <a:t>URLs only support GET and POST operations, </a:t>
-            </a:r>
-            <a:br>
-              <a:rPr lang="en-US" sz="3200" dirty="0">
-                <a:solidFill>
-                  <a:prstClr val="black"/>
-                </a:solidFill>
-                <a:latin typeface="Calibri"/>
-                <a:ea typeface="+mn-ea"/>
-                <a:cs typeface="+mn-cs"/>
-              </a:rPr>
-            </a:br>
-            <a:r>
-              <a:rPr lang="en-US" sz="3200" dirty="0">
-                <a:solidFill>
-                  <a:prstClr val="black"/>
-                </a:solidFill>
-                <a:latin typeface="Calibri"/>
-                <a:ea typeface="+mn-ea"/>
-                <a:cs typeface="+mn-cs"/>
-              </a:rPr>
-              <a:t>no PUTs (updates) or DELETEs accepted </a:t>
-            </a:r>
-          </a:p>
-          <a:p>
-            <a:pPr marL="342900" lvl="1" indent="-342900">
-              <a:buFont typeface="Arial" panose="020B0604020202020204" pitchFamily="34" charset="0"/>
-              <a:buChar char="•"/>
-            </a:pPr>
-            <a:r>
-              <a:rPr lang="en-US" sz="3200" dirty="0">
-                <a:solidFill>
-                  <a:prstClr val="black"/>
-                </a:solidFill>
-                <a:latin typeface="Calibri"/>
-                <a:ea typeface="+mn-ea"/>
-                <a:cs typeface="+mn-cs"/>
-              </a:rPr>
-              <a:t>Root domain is  </a:t>
-            </a:r>
-            <a:r>
-              <a:rPr lang="en-US" sz="2800" dirty="0">
-                <a:solidFill>
-                  <a:prstClr val="black"/>
-                </a:solidFill>
-                <a:latin typeface="Calibri"/>
-                <a:ea typeface="+mn-ea"/>
-                <a:cs typeface="+mn-cs"/>
-                <a:hlinkClick r:id="rId2"/>
-              </a:rPr>
-              <a:t>http://mdtranslator.adiwg.org/</a:t>
+              <a:rPr lang="en-US" dirty="0" smtClean="0"/>
+              <a:t>mdTranslator ‘Welcome’</a:t>
             </a:r>
             <a:endParaRPr lang="en-US" dirty="0"/>
-          </a:p>
-        </p:txBody>
-      </p:sp>
-      <p:sp>
-        <p:nvSpPr>
-          <p:cNvPr id="4" name="Date Placeholder 3"/>
-          <p:cNvSpPr>
-            <a:spLocks noGrp="1"/>
-          </p:cNvSpPr>
-          <p:nvPr>
-            <p:ph type="dt" sz="half" idx="10"/>
-          </p:nvPr>
-        </p:nvSpPr>
-        <p:spPr/>
-        <p:txBody>
-          <a:bodyPr/>
-          <a:lstStyle/>
-          <a:p>
-            <a:pPr>
-              <a:defRPr/>
-            </a:pPr>
-            <a:fld id="{6C3DD7D0-7E54-4926-8269-92427B4182BC}" type="datetime1">
-              <a:rPr lang="en-US" smtClean="0">
-                <a:solidFill>
-                  <a:srgbClr val="04617B">
-                    <a:shade val="90000"/>
-                  </a:srgbClr>
-                </a:solidFill>
-              </a:rPr>
-              <a:t>5/4/2015</a:t>
-            </a:fld>
-            <a:endParaRPr lang="en-US" dirty="0">
-              <a:solidFill>
-                <a:srgbClr val="04617B">
-                  <a:shade val="90000"/>
-                </a:srgbClr>
-              </a:solidFill>
-            </a:endParaRPr>
-          </a:p>
-        </p:txBody>
-      </p:sp>
-      <p:sp>
-        <p:nvSpPr>
-          <p:cNvPr id="5" name="Footer Placeholder 4"/>
-          <p:cNvSpPr>
-            <a:spLocks noGrp="1"/>
-          </p:cNvSpPr>
-          <p:nvPr>
-            <p:ph type="ftr" sz="quarter" idx="11"/>
-          </p:nvPr>
-        </p:nvSpPr>
-        <p:spPr/>
-        <p:txBody>
-          <a:bodyPr/>
-          <a:lstStyle/>
-          <a:p>
-            <a:pPr>
-              <a:defRPr/>
-            </a:pPr>
-            <a:r>
-              <a:rPr lang="en-US" smtClean="0">
-                <a:solidFill>
-                  <a:srgbClr val="04617B">
-                    <a:shade val="90000"/>
-                  </a:srgbClr>
-                </a:solidFill>
-              </a:rPr>
-              <a:t>www.adiwg.org</a:t>
-            </a:r>
-            <a:endParaRPr lang="en-US" dirty="0" smtClean="0">
-              <a:solidFill>
-                <a:srgbClr val="04617B">
-                  <a:shade val="90000"/>
-                </a:srgbClr>
-              </a:solidFill>
-            </a:endParaRPr>
-          </a:p>
-        </p:txBody>
-      </p:sp>
-      <p:sp>
-        <p:nvSpPr>
-          <p:cNvPr id="6" name="Slide Number Placeholder 5"/>
-          <p:cNvSpPr>
-            <a:spLocks noGrp="1"/>
-          </p:cNvSpPr>
-          <p:nvPr>
-            <p:ph type="sldNum" sz="quarter" idx="12"/>
-          </p:nvPr>
-        </p:nvSpPr>
-        <p:spPr/>
-        <p:txBody>
-          <a:bodyPr/>
-          <a:lstStyle/>
-          <a:p>
-            <a:pPr>
-              <a:defRPr/>
-            </a:pPr>
-            <a:fld id="{D96B19B3-FA35-4262-952F-7D873B09162D}" type="slidenum">
-              <a:rPr lang="en-US" smtClean="0">
-                <a:solidFill>
-                  <a:srgbClr val="04617B">
-                    <a:shade val="90000"/>
-                  </a:srgbClr>
-                </a:solidFill>
-              </a:rPr>
-              <a:pPr>
-                <a:defRPr/>
-              </a:pPr>
-              <a:t>4</a:t>
-            </a:fld>
-            <a:endParaRPr lang="en-US" dirty="0">
-              <a:solidFill>
-                <a:srgbClr val="04617B">
-                  <a:shade val="90000"/>
-                </a:srgbClr>
-              </a:solidFill>
-            </a:endParaRPr>
-          </a:p>
-        </p:txBody>
-      </p:sp>
-    </p:spTree>
-    <p:extLst>
-      <p:ext uri="{BB962C8B-B14F-4D97-AF65-F5344CB8AC3E}">
-        <p14:creationId xmlns:p14="http://schemas.microsoft.com/office/powerpoint/2010/main" val="2224223171"/>
-      </p:ext>
-    </p:extLst>
-  </p:cSld>
-  <p:clrMapOvr>
-    <a:masterClrMapping/>
-  </p:clrMapOvr>
-</p:sld>
-</file>
-
-<file path=ppt/slides/slide5.xml><?xml version="1.0" encoding="utf-8"?>
-<p:sld xmlns:a="http://schemas.openxmlformats.org/drawingml/2006/main" xmlns:r="http://schemas.openxmlformats.org/officeDocument/2006/relationships" xmlns:p="http://schemas.openxmlformats.org/presentationml/2006/main">
-  <p:cSld>
-    <p:spTree>
-      <p:nvGrpSpPr>
-        <p:cNvPr id="1" name=""/>
-        <p:cNvGrpSpPr/>
-        <p:nvPr/>
-      </p:nvGrpSpPr>
-      <p:grpSpPr>
-        <a:xfrm>
-          <a:off x="0" y="0"/>
-          <a:ext cx="0" cy="0"/>
-          <a:chOff x="0" y="0"/>
-          <a:chExt cx="0" cy="0"/>
-        </a:xfrm>
-      </p:grpSpPr>
-      <p:sp>
-        <p:nvSpPr>
-          <p:cNvPr id="2" name="Title 1"/>
-          <p:cNvSpPr>
-            <a:spLocks noGrp="1"/>
-          </p:cNvSpPr>
-          <p:nvPr>
-            <p:ph type="title"/>
-          </p:nvPr>
-        </p:nvSpPr>
-        <p:spPr/>
-        <p:txBody>
-          <a:bodyPr/>
-          <a:lstStyle/>
-          <a:p>
-            <a:endParaRPr lang="en-US"/>
           </a:p>
         </p:txBody>
       </p:sp>
@@ -48352,7 +48113,7 @@
                   </a:srgbClr>
                 </a:solidFill>
               </a:rPr>
-              <a:t>5/4/2015</a:t>
+              <a:t>5/6/2015</a:t>
             </a:fld>
             <a:endParaRPr lang="en-US" dirty="0">
               <a:solidFill>
@@ -48431,7 +48192,7 @@
               <a:pPr>
                 <a:defRPr/>
               </a:pPr>
-              <a:t>5</a:t>
+              <a:t>4</a:t>
             </a:fld>
             <a:endParaRPr lang="en-US" dirty="0">
               <a:solidFill>
@@ -48453,6 +48214,434 @@
   <p:clrMapOvr>
     <a:masterClrMapping/>
   </p:clrMapOvr>
+  <p:timing>
+    <p:tnLst>
+      <p:par>
+        <p:cTn id="1" dur="indefinite" restart="never" nodeType="tmRoot"/>
+      </p:par>
+    </p:tnLst>
+  </p:timing>
+</p:sld>
+</file>
+
+<file path=ppt/slides/slide5.xml><?xml version="1.0" encoding="utf-8"?>
+<p:sld xmlns:a="http://schemas.openxmlformats.org/drawingml/2006/main" xmlns:r="http://schemas.openxmlformats.org/officeDocument/2006/relationships" xmlns:p="http://schemas.openxmlformats.org/presentationml/2006/main">
+  <p:cSld>
+    <p:spTree>
+      <p:nvGrpSpPr>
+        <p:cNvPr id="1" name=""/>
+        <p:cNvGrpSpPr/>
+        <p:nvPr/>
+      </p:nvGrpSpPr>
+      <p:grpSpPr>
+        <a:xfrm>
+          <a:off x="0" y="0"/>
+          <a:ext cx="0" cy="0"/>
+          <a:chOff x="0" y="0"/>
+          <a:chExt cx="0" cy="0"/>
+        </a:xfrm>
+      </p:grpSpPr>
+      <p:sp>
+        <p:nvSpPr>
+          <p:cNvPr id="2" name="Title 1"/>
+          <p:cNvSpPr>
+            <a:spLocks noGrp="1"/>
+          </p:cNvSpPr>
+          <p:nvPr>
+            <p:ph type="title"/>
+          </p:nvPr>
+        </p:nvSpPr>
+        <p:spPr/>
+        <p:txBody>
+          <a:bodyPr/>
+          <a:lstStyle/>
+          <a:p>
+            <a:r>
+              <a:rPr lang="en-US" dirty="0" smtClean="0"/>
+              <a:t>mdTranslator API</a:t>
+            </a:r>
+            <a:endParaRPr lang="en-US" dirty="0"/>
+          </a:p>
+        </p:txBody>
+      </p:sp>
+      <p:sp>
+        <p:nvSpPr>
+          <p:cNvPr id="3" name="Content Placeholder 2"/>
+          <p:cNvSpPr>
+            <a:spLocks noGrp="1"/>
+          </p:cNvSpPr>
+          <p:nvPr>
+            <p:ph idx="1"/>
+          </p:nvPr>
+        </p:nvSpPr>
+        <p:spPr>
+          <a:xfrm>
+            <a:off x="457200" y="1600200"/>
+            <a:ext cx="8229600" cy="4343399"/>
+          </a:xfrm>
+        </p:spPr>
+        <p:txBody>
+          <a:bodyPr>
+            <a:noAutofit/>
+          </a:bodyPr>
+          <a:lstStyle/>
+          <a:p>
+            <a:r>
+              <a:rPr lang="en-US" sz="2000" dirty="0"/>
+              <a:t>API V1 documentation </a:t>
+            </a:r>
+            <a:r>
+              <a:rPr lang="en-US" sz="2000" dirty="0" smtClean="0">
+                <a:hlinkClick r:id="rId3"/>
+              </a:rPr>
+              <a:t>.../</a:t>
+            </a:r>
+            <a:r>
+              <a:rPr lang="en-US" sz="2000" dirty="0" err="1" smtClean="0">
+                <a:hlinkClick r:id="rId3"/>
+              </a:rPr>
+              <a:t>api</a:t>
+            </a:r>
+            <a:r>
+              <a:rPr lang="en-US" sz="2000" dirty="0" smtClean="0">
+                <a:hlinkClick r:id="rId3"/>
+              </a:rPr>
+              <a:t>/v1/</a:t>
+            </a:r>
+            <a:r>
+              <a:rPr lang="en-US" sz="2000" dirty="0" err="1" smtClean="0">
+                <a:hlinkClick r:id="rId3"/>
+              </a:rPr>
+              <a:t>api</a:t>
+            </a:r>
+            <a:r>
+              <a:rPr lang="en-US" sz="2000" dirty="0" smtClean="0"/>
+              <a:t> </a:t>
+            </a:r>
+            <a:r>
+              <a:rPr lang="en-US" sz="2000" dirty="0" smtClean="0"/>
+              <a:t>or </a:t>
+            </a:r>
+            <a:r>
+              <a:rPr lang="en-US" sz="2000" dirty="0" smtClean="0">
+                <a:hlinkClick r:id="rId3"/>
+              </a:rPr>
+              <a:t>.../</a:t>
+            </a:r>
+            <a:r>
+              <a:rPr lang="en-US" sz="2000" dirty="0" err="1" smtClean="0">
+                <a:hlinkClick r:id="rId3"/>
+              </a:rPr>
+              <a:t>api</a:t>
+            </a:r>
+            <a:r>
+              <a:rPr lang="en-US" sz="2000" dirty="0" smtClean="0">
+                <a:hlinkClick r:id="rId3"/>
+              </a:rPr>
+              <a:t>/v1</a:t>
+            </a:r>
+            <a:endParaRPr lang="en-US" sz="2000" dirty="0" smtClean="0"/>
+          </a:p>
+          <a:p>
+            <a:pPr lvl="1"/>
+            <a:r>
+              <a:rPr lang="en-US" sz="1400" dirty="0" smtClean="0"/>
+              <a:t>API is v</a:t>
+            </a:r>
+            <a:r>
+              <a:rPr lang="en-US" sz="1400" dirty="0" smtClean="0"/>
+              <a:t>ersioned to support legacy versions of API</a:t>
+            </a:r>
+          </a:p>
+          <a:p>
+            <a:pPr lvl="1"/>
+            <a:r>
+              <a:rPr lang="en-US" sz="1400" dirty="0" smtClean="0"/>
+              <a:t>API </a:t>
+            </a:r>
+            <a:r>
+              <a:rPr lang="en-US" sz="1400" dirty="0"/>
+              <a:t>only supports </a:t>
+            </a:r>
+            <a:r>
+              <a:rPr lang="en-US" sz="1400" dirty="0" smtClean="0"/>
+              <a:t>GET </a:t>
+            </a:r>
+            <a:r>
+              <a:rPr lang="en-US" sz="1400" dirty="0"/>
+              <a:t>and </a:t>
+            </a:r>
+            <a:r>
+              <a:rPr lang="en-US" sz="1400" dirty="0" smtClean="0"/>
+              <a:t>POST verbs</a:t>
+            </a:r>
+          </a:p>
+          <a:p>
+            <a:pPr lvl="1"/>
+            <a:r>
+              <a:rPr lang="en-US" sz="1400" dirty="0"/>
+              <a:t>PUTs (updates) and DELETEs not accepted </a:t>
+            </a:r>
+            <a:endParaRPr lang="en-US" sz="1400" dirty="0"/>
+          </a:p>
+          <a:p>
+            <a:pPr lvl="1"/>
+            <a:r>
+              <a:rPr lang="en-US" sz="1600" b="1" dirty="0"/>
+              <a:t>Documentation and Lists</a:t>
+            </a:r>
+          </a:p>
+          <a:p>
+            <a:pPr lvl="2"/>
+            <a:r>
+              <a:rPr lang="en-US" sz="1400" dirty="0"/>
+              <a:t>GET</a:t>
+            </a:r>
+          </a:p>
+          <a:p>
+            <a:pPr lvl="3"/>
+            <a:r>
+              <a:rPr lang="en-US" sz="1400" dirty="0"/>
+              <a:t>Informational web pages</a:t>
+            </a:r>
+          </a:p>
+          <a:p>
+            <a:pPr lvl="3"/>
+            <a:r>
+              <a:rPr lang="en-US" sz="1400" dirty="0" smtClean="0"/>
+              <a:t>API version 1 options 	</a:t>
+            </a:r>
+            <a:r>
+              <a:rPr lang="en-US" sz="1400" dirty="0" smtClean="0">
+                <a:hlinkClick r:id="rId4"/>
+              </a:rPr>
+              <a:t>.../</a:t>
+            </a:r>
+            <a:r>
+              <a:rPr lang="en-US" sz="1400" dirty="0" err="1" smtClean="0">
+                <a:hlinkClick r:id="rId4"/>
+              </a:rPr>
+              <a:t>api</a:t>
+            </a:r>
+            <a:r>
+              <a:rPr lang="en-US" sz="1400" dirty="0" smtClean="0">
+                <a:hlinkClick r:id="rId4"/>
+              </a:rPr>
+              <a:t>/v1/options</a:t>
+            </a:r>
+            <a:endParaRPr lang="en-US" sz="1400" dirty="0" smtClean="0"/>
+          </a:p>
+          <a:p>
+            <a:pPr lvl="3"/>
+            <a:r>
+              <a:rPr lang="en-US" sz="1400" dirty="0" smtClean="0"/>
+              <a:t>Interacting </a:t>
+            </a:r>
+            <a:r>
+              <a:rPr lang="en-US" sz="1400" dirty="0"/>
+              <a:t>with </a:t>
+            </a:r>
+            <a:r>
+              <a:rPr lang="en-US" sz="1400" dirty="0" err="1"/>
+              <a:t>codeLists</a:t>
+            </a:r>
+            <a:endParaRPr lang="en-US" sz="1400" dirty="0"/>
+          </a:p>
+          <a:p>
+            <a:pPr lvl="1"/>
+            <a:r>
+              <a:rPr lang="en-US" sz="1600" b="1" dirty="0" smtClean="0"/>
+              <a:t>Translator </a:t>
+            </a:r>
+            <a:r>
+              <a:rPr lang="en-US" sz="1600" b="1" dirty="0"/>
+              <a:t>method</a:t>
+            </a:r>
+          </a:p>
+          <a:p>
+            <a:pPr lvl="2"/>
+            <a:r>
+              <a:rPr lang="en-US" sz="1400" dirty="0"/>
+              <a:t>GET</a:t>
+            </a:r>
+          </a:p>
+          <a:p>
+            <a:pPr lvl="3"/>
+            <a:r>
+              <a:rPr lang="en-US" sz="1400" dirty="0"/>
+              <a:t>Limited application due to URI size limits (2K)</a:t>
+            </a:r>
+          </a:p>
+          <a:p>
+            <a:pPr lvl="2"/>
+            <a:r>
+              <a:rPr lang="en-US" sz="1400" dirty="0"/>
+              <a:t>POST </a:t>
+            </a:r>
+          </a:p>
+          <a:p>
+            <a:pPr lvl="3"/>
+            <a:r>
+              <a:rPr lang="en-US" sz="1400" dirty="0"/>
+              <a:t>mdTranslator </a:t>
+            </a:r>
+            <a:r>
+              <a:rPr lang="en-US" sz="1400" dirty="0" smtClean="0"/>
+              <a:t>parameters	</a:t>
+            </a:r>
+            <a:r>
+              <a:rPr lang="en-US" sz="1400" dirty="0" smtClean="0">
+                <a:hlinkClick r:id="rId5"/>
+              </a:rPr>
+              <a:t>.../</a:t>
+            </a:r>
+            <a:r>
+              <a:rPr lang="en-US" sz="1400" dirty="0" err="1" smtClean="0">
+                <a:hlinkClick r:id="rId5"/>
+              </a:rPr>
+              <a:t>api</a:t>
+            </a:r>
+            <a:r>
+              <a:rPr lang="en-US" sz="1400" dirty="0" smtClean="0">
+                <a:hlinkClick r:id="rId5"/>
+              </a:rPr>
+              <a:t>/v1/demo</a:t>
+            </a:r>
+            <a:endParaRPr lang="en-US" sz="1400" dirty="0"/>
+          </a:p>
+          <a:p>
+            <a:pPr lvl="3"/>
+            <a:endParaRPr lang="en-US" sz="1400" dirty="0"/>
+          </a:p>
+        </p:txBody>
+      </p:sp>
+      <p:sp>
+        <p:nvSpPr>
+          <p:cNvPr id="4" name="Date Placeholder 3"/>
+          <p:cNvSpPr>
+            <a:spLocks noGrp="1"/>
+          </p:cNvSpPr>
+          <p:nvPr>
+            <p:ph type="dt" sz="half" idx="10"/>
+          </p:nvPr>
+        </p:nvSpPr>
+        <p:spPr/>
+        <p:txBody>
+          <a:bodyPr/>
+          <a:lstStyle/>
+          <a:p>
+            <a:pPr>
+              <a:defRPr/>
+            </a:pPr>
+            <a:fld id="{6C3DD7D0-7E54-4926-8269-92427B4182BC}" type="datetime1">
+              <a:rPr lang="en-US" smtClean="0">
+                <a:solidFill>
+                  <a:srgbClr val="04617B">
+                    <a:shade val="90000"/>
+                  </a:srgbClr>
+                </a:solidFill>
+              </a:rPr>
+              <a:t>5/6/2015</a:t>
+            </a:fld>
+            <a:endParaRPr lang="en-US" dirty="0">
+              <a:solidFill>
+                <a:srgbClr val="04617B">
+                  <a:shade val="90000"/>
+                </a:srgbClr>
+              </a:solidFill>
+            </a:endParaRPr>
+          </a:p>
+        </p:txBody>
+      </p:sp>
+      <p:sp>
+        <p:nvSpPr>
+          <p:cNvPr id="5" name="Footer Placeholder 4"/>
+          <p:cNvSpPr>
+            <a:spLocks noGrp="1"/>
+          </p:cNvSpPr>
+          <p:nvPr>
+            <p:ph type="ftr" sz="quarter" idx="11"/>
+          </p:nvPr>
+        </p:nvSpPr>
+        <p:spPr/>
+        <p:txBody>
+          <a:bodyPr/>
+          <a:lstStyle/>
+          <a:p>
+            <a:pPr>
+              <a:defRPr/>
+            </a:pPr>
+            <a:r>
+              <a:rPr lang="en-US" dirty="0" smtClean="0">
+                <a:solidFill>
+                  <a:srgbClr val="04617B">
+                    <a:shade val="90000"/>
+                  </a:srgbClr>
+                </a:solidFill>
+              </a:rPr>
+              <a:t>www.adiwg.org</a:t>
+            </a:r>
+          </a:p>
+        </p:txBody>
+      </p:sp>
+      <p:sp>
+        <p:nvSpPr>
+          <p:cNvPr id="6" name="Slide Number Placeholder 5"/>
+          <p:cNvSpPr>
+            <a:spLocks noGrp="1"/>
+          </p:cNvSpPr>
+          <p:nvPr>
+            <p:ph type="sldNum" sz="quarter" idx="12"/>
+          </p:nvPr>
+        </p:nvSpPr>
+        <p:spPr/>
+        <p:txBody>
+          <a:bodyPr/>
+          <a:lstStyle/>
+          <a:p>
+            <a:pPr>
+              <a:defRPr/>
+            </a:pPr>
+            <a:fld id="{D96B19B3-FA35-4262-952F-7D873B09162D}" type="slidenum">
+              <a:rPr lang="en-US" smtClean="0">
+                <a:solidFill>
+                  <a:srgbClr val="04617B">
+                    <a:shade val="90000"/>
+                  </a:srgbClr>
+                </a:solidFill>
+              </a:rPr>
+              <a:pPr>
+                <a:defRPr/>
+              </a:pPr>
+              <a:t>5</a:t>
+            </a:fld>
+            <a:endParaRPr lang="en-US" dirty="0">
+              <a:solidFill>
+                <a:srgbClr val="04617B">
+                  <a:shade val="90000"/>
+                </a:srgbClr>
+              </a:solidFill>
+            </a:endParaRPr>
+          </a:p>
+        </p:txBody>
+      </p:sp>
+    </p:spTree>
+    <p:extLst>
+      <p:ext uri="{BB962C8B-B14F-4D97-AF65-F5344CB8AC3E}">
+        <p14:creationId xmlns:p14="http://schemas.microsoft.com/office/powerpoint/2010/main" val="642655662"/>
+      </p:ext>
+    </p:extLst>
+  </p:cSld>
+  <p:clrMapOvr>
+    <a:masterClrMapping/>
+  </p:clrMapOvr>
+  <p:timing>
+    <p:tnLst>
+      <p:par>
+        <p:cTn id="1" dur="indefinite" restart="never" nodeType="tmRoot"/>
+      </p:par>
+    </p:tnLst>
+  </p:timing>
 </p:sld>
 </file>
 
@@ -48488,7 +48677,11 @@
           <a:bodyPr/>
           <a:lstStyle/>
           <a:p>
-            <a:endParaRPr lang="en-US"/>
+            <a:r>
+              <a:rPr lang="en-US" dirty="0" smtClean="0"/>
+              <a:t>mdCodes</a:t>
+            </a:r>
+            <a:endParaRPr lang="en-US" dirty="0"/>
           </a:p>
         </p:txBody>
       </p:sp>
@@ -48502,138 +48695,175 @@
             <p:ph idx="1"/>
           </p:nvPr>
         </p:nvSpPr>
-        <p:spPr/>
+        <p:spPr>
+          <a:xfrm>
+            <a:off x="457200" y="1600200"/>
+            <a:ext cx="8229600" cy="4343399"/>
+          </a:xfrm>
+        </p:spPr>
         <p:txBody>
-          <a:bodyPr>
-            <a:normAutofit fontScale="70000" lnSpcReduction="20000"/>
+          <a:bodyPr vert="horz" lIns="91440" tIns="45720" rIns="91440" bIns="45720" rtlCol="0">
+            <a:normAutofit/>
           </a:bodyPr>
           <a:lstStyle/>
           <a:p>
             <a:r>
-              <a:rPr lang="en-US" dirty="0"/>
-              <a:t>API V1 documentation </a:t>
+              <a:rPr lang="en-US" sz="1600" dirty="0"/>
+              <a:t>Separate </a:t>
             </a:r>
             <a:r>
-              <a:rPr lang="en-US" dirty="0" smtClean="0">
-                <a:hlinkClick r:id="rId2"/>
-              </a:rPr>
-              <a:t>.../</a:t>
+              <a:rPr lang="en-US" sz="1600" dirty="0"/>
+              <a:t>Ruby module and gem from mdTranslator</a:t>
+            </a:r>
+          </a:p>
+          <a:p>
+            <a:r>
+              <a:rPr lang="en-US" sz="1600" dirty="0"/>
+              <a:t>Used </a:t>
             </a:r>
             <a:r>
-              <a:rPr lang="en-US" dirty="0" err="1" smtClean="0">
-                <a:hlinkClick r:id="rId2"/>
-              </a:rPr>
-              <a:t>api</a:t>
+              <a:rPr lang="en-US" sz="1600" dirty="0"/>
+              <a:t>by metadata content editors (mdEditor) to load </a:t>
             </a:r>
             <a:r>
-              <a:rPr lang="en-US" dirty="0" smtClean="0">
-                <a:hlinkClick r:id="rId2"/>
-              </a:rPr>
-              <a:t>/v1/</a:t>
+              <a:rPr lang="en-US" sz="1600" dirty="0"/>
+              <a:t>codelist values and definitions</a:t>
+            </a:r>
+          </a:p>
+          <a:p>
+            <a:r>
+              <a:rPr lang="en-US" sz="1600" dirty="0"/>
+              <a:t>All ISO codelists needed by mdTranslator</a:t>
+            </a:r>
+          </a:p>
+          <a:p>
+            <a:r>
+              <a:rPr lang="en-US" sz="1600" dirty="0"/>
+              <a:t>Current with 19115-2, 19115-1, including </a:t>
             </a:r>
             <a:r>
-              <a:rPr lang="en-US" dirty="0" err="1" smtClean="0">
-                <a:hlinkClick r:id="rId2"/>
-              </a:rPr>
-              <a:t>api</a:t>
+              <a:rPr lang="en-US" sz="1600" dirty="0" smtClean="0"/>
+              <a:t>some ADIwg </a:t>
             </a:r>
             <a:r>
-              <a:rPr lang="en-US" dirty="0" smtClean="0"/>
-              <a:t> </a:t>
+              <a:rPr lang="en-US" sz="1600" dirty="0"/>
+              <a:t>extensions</a:t>
             </a:r>
-            <a:endParaRPr lang="en-US" dirty="0"/>
+            <a:endParaRPr lang="en-US" sz="1600" dirty="0"/>
           </a:p>
           <a:p>
-            <a:pPr lvl="1"/>
             <a:r>
-              <a:rPr lang="en-US" dirty="0"/>
-              <a:t>Versioned to support previous versions</a:t>
+              <a:rPr lang="en-US" sz="1600" dirty="0"/>
+              <a:t>Each codelist is a </a:t>
+            </a:r>
+            <a:r>
+              <a:rPr lang="en-US" sz="1600" dirty="0"/>
+              <a:t>maintained in a separate </a:t>
+            </a:r>
+            <a:r>
+              <a:rPr lang="en-US" sz="1600" dirty="0"/>
+              <a:t>YAML file</a:t>
             </a:r>
           </a:p>
           <a:p>
             <a:pPr lvl="1"/>
             <a:r>
-              <a:rPr lang="en-US" dirty="0"/>
-              <a:t>Documentation and Lists</a:t>
-            </a:r>
-          </a:p>
-          <a:p>
-            <a:pPr lvl="2"/>
-            <a:r>
-              <a:rPr lang="en-US" dirty="0"/>
-              <a:t>GET</a:t>
-            </a:r>
-          </a:p>
-          <a:p>
-            <a:pPr lvl="3"/>
-            <a:r>
-              <a:rPr lang="en-US" dirty="0"/>
-              <a:t>Informational web pages</a:t>
-            </a:r>
-          </a:p>
-          <a:p>
-            <a:pPr lvl="3"/>
-            <a:r>
-              <a:rPr lang="en-US" dirty="0"/>
-              <a:t>Interacting with </a:t>
+              <a:rPr lang="en-US" sz="1600" dirty="0"/>
+              <a:t>“Yet Another Markup Language” or “YAML </a:t>
             </a:r>
             <a:r>
-              <a:rPr lang="en-US" dirty="0" err="1"/>
-              <a:t>codeLists</a:t>
+              <a:rPr lang="en-US" sz="1600" dirty="0" err="1"/>
+              <a:t>Ain’t</a:t>
             </a:r>
-            <a:endParaRPr lang="en-US" dirty="0"/>
-          </a:p>
-          <a:p>
-            <a:pPr lvl="3"/>
             <a:r>
-              <a:rPr lang="en-US" dirty="0"/>
-              <a:t>API version 1 information, options, and testing</a:t>
+              <a:rPr lang="en-US" sz="1600" dirty="0"/>
+              <a:t> Markup Language”</a:t>
             </a:r>
           </a:p>
           <a:p>
             <a:pPr lvl="1"/>
             <a:r>
-              <a:rPr lang="en-US" dirty="0"/>
-              <a:t>mdTranslator method</a:t>
+              <a:rPr lang="en-US" sz="1600" dirty="0"/>
+              <a:t>Suited for text editing structured data</a:t>
             </a:r>
           </a:p>
           <a:p>
-            <a:pPr lvl="2"/>
+            <a:pPr lvl="1"/>
             <a:r>
-              <a:rPr lang="en-US" dirty="0"/>
-              <a:t>GET</a:t>
+              <a:rPr lang="en-US" sz="1600" dirty="0"/>
+              <a:t>Supported in Ruby, Python, Perl</a:t>
             </a:r>
+            <a:r>
+              <a:rPr lang="en-US" sz="1600" dirty="0"/>
+              <a:t>, </a:t>
+            </a:r>
+            <a:r>
+              <a:rPr lang="en-US" sz="1600" dirty="0" err="1"/>
+              <a:t>grep</a:t>
+            </a:r>
+            <a:endParaRPr lang="en-US" sz="1600" dirty="0"/>
           </a:p>
           <a:p>
-            <a:pPr lvl="3"/>
             <a:r>
-              <a:rPr lang="en-US" dirty="0"/>
-              <a:t>Limited application due to URI size limits (2K)</a:t>
+              <a:rPr lang="en-US" sz="1600" dirty="0"/>
+              <a:t>Only supporting static codelists </a:t>
             </a:r>
+            <a:r>
+              <a:rPr lang="en-US" sz="1600" dirty="0"/>
+              <a:t>are supported at </a:t>
+            </a:r>
+            <a:r>
+              <a:rPr lang="en-US" sz="1600" dirty="0"/>
+              <a:t>this </a:t>
+            </a:r>
+            <a:r>
+              <a:rPr lang="en-US" sz="1600" dirty="0"/>
+              <a:t>time</a:t>
+            </a:r>
+            <a:endParaRPr lang="en-US" sz="1600" dirty="0"/>
           </a:p>
           <a:p>
-            <a:pPr lvl="2"/>
             <a:r>
-              <a:rPr lang="en-US" dirty="0"/>
-              <a:t>POST </a:t>
+              <a:rPr lang="en-US" sz="1600" dirty="0"/>
+              <a:t>May be </a:t>
             </a:r>
+            <a:r>
+              <a:rPr lang="en-US" sz="1600" dirty="0" err="1"/>
+              <a:t>extenced</a:t>
+            </a:r>
+            <a:r>
+              <a:rPr lang="en-US" sz="1600" dirty="0"/>
+              <a:t> to </a:t>
+            </a:r>
+            <a:r>
+              <a:rPr lang="en-US" sz="1600" dirty="0"/>
+              <a:t>provide consistent API for externally maintained hierarchical code lists such </a:t>
+            </a:r>
+            <a:r>
+              <a:rPr lang="en-US" sz="1600" dirty="0"/>
+              <a:t>as: </a:t>
+            </a:r>
+            <a:endParaRPr lang="en-US" sz="1600" dirty="0"/>
           </a:p>
           <a:p>
-            <a:pPr lvl="3"/>
+            <a:pPr lvl="1"/>
             <a:r>
-              <a:rPr lang="en-US" dirty="0"/>
-              <a:t>mdTranslator parameters</a:t>
+              <a:rPr lang="en-US" sz="1600" dirty="0"/>
+              <a:t>GCMD Global Change Master Directory of Earth Science Keywords (NASA</a:t>
             </a:r>
-          </a:p>
-          <a:p>
-            <a:pPr lvl="3"/>
             <a:r>
-              <a:rPr lang="en-US" dirty="0"/>
-              <a:t>mdTranslator parameter options</a:t>
+              <a:rPr lang="en-US" sz="1600" dirty="0"/>
+              <a:t>), ITIS, Several </a:t>
             </a:r>
-          </a:p>
-          <a:p>
-            <a:endParaRPr lang="en-US" dirty="0"/>
+            <a:r>
+              <a:rPr lang="en-US" sz="1600" dirty="0"/>
+              <a:t>candidates from </a:t>
+            </a:r>
+            <a:r>
+              <a:rPr lang="en-US" sz="1600" dirty="0"/>
+              <a:t>NOAA</a:t>
+            </a:r>
+            <a:endParaRPr lang="en-US" sz="1600" dirty="0"/>
           </a:p>
         </p:txBody>
       </p:sp>
@@ -48663,7 +48893,7 @@
                   </a:srgbClr>
                 </a:solidFill>
               </a:rPr>
-              <a:t>5/4/2015</a:t>
+              <a:t>5/6/2015</a:t>
             </a:fld>
             <a:endParaRPr lang="en-US" dirty="0">
               <a:solidFill>
@@ -48757,13 +48987,20 @@
     </p:spTree>
     <p:extLst>
       <p:ext uri="{BB962C8B-B14F-4D97-AF65-F5344CB8AC3E}">
-        <p14:creationId xmlns:p14="http://schemas.microsoft.com/office/powerpoint/2010/main" val="642655662"/>
+        <p14:creationId xmlns:p14="http://schemas.microsoft.com/office/powerpoint/2010/main" val="1067822905"/>
       </p:ext>
     </p:extLst>
   </p:cSld>
   <p:clrMapOvr>
     <a:masterClrMapping/>
   </p:clrMapOvr>
+  <p:timing>
+    <p:tnLst>
+      <p:par>
+        <p:cTn id="1" dur="indefinite" restart="never" nodeType="tmRoot"/>
+      </p:par>
+    </p:tnLst>
+  </p:timing>
 </p:sld>
 </file>
 
@@ -48784,6 +49021,48 @@
           <a:chExt cx="0" cy="0"/>
         </a:xfrm>
       </p:grpSpPr>
+      <p:pic>
+        <p:nvPicPr>
+          <p:cNvPr id="11" name="Content Placeholder 3"/>
+          <p:cNvPicPr>
+            <a:picLocks noChangeAspect="1"/>
+          </p:cNvPicPr>
+          <p:nvPr/>
+        </p:nvPicPr>
+        <p:blipFill rotWithShape="1">
+          <a:blip r:embed="rId3">
+            <a:extLst>
+              <a:ext uri="{28A0092B-C50C-407E-A947-70E740481C1C}">
+                <a14:useLocalDpi xmlns:a14="http://schemas.microsoft.com/office/drawing/2010/main" val="0"/>
+              </a:ext>
+            </a:extLst>
+          </a:blip>
+          <a:srcRect b="44231"/>
+          <a:stretch/>
+        </p:blipFill>
+        <p:spPr>
+          <a:xfrm>
+            <a:off x="457200" y="2057400"/>
+            <a:ext cx="8251429" cy="3024738"/>
+          </a:xfrm>
+          <a:prstGeom prst="roundRect">
+            <a:avLst>
+              <a:gd name="adj" fmla="val 8594"/>
+            </a:avLst>
+          </a:prstGeom>
+          <a:solidFill>
+            <a:srgbClr val="FFFFFF">
+              <a:shade val="85000"/>
+            </a:srgbClr>
+          </a:solidFill>
+          <a:ln>
+            <a:noFill/>
+          </a:ln>
+          <a:effectLst>
+            <a:reflection blurRad="12700" stA="38000" endPos="28000" dist="5000" dir="5400000" sy="-100000" algn="bl" rotWithShape="0"/>
+          </a:effectLst>
+        </p:spPr>
+      </p:pic>
       <p:sp>
         <p:nvSpPr>
           <p:cNvPr id="2" name="Title 1"/>
@@ -48799,148 +49078,10 @@
           <a:bodyPr/>
           <a:lstStyle/>
           <a:p>
-            <a:endParaRPr lang="en-US"/>
-          </a:p>
-        </p:txBody>
-      </p:sp>
-      <p:sp>
-        <p:nvSpPr>
-          <p:cNvPr id="3" name="Content Placeholder 2"/>
-          <p:cNvSpPr>
-            <a:spLocks noGrp="1"/>
-          </p:cNvSpPr>
-          <p:nvPr>
-            <p:ph idx="1"/>
-          </p:nvPr>
-        </p:nvSpPr>
-        <p:spPr/>
-        <p:txBody>
-          <a:bodyPr/>
-          <a:lstStyle/>
-          <a:p>
-            <a:pPr lvl="0"/>
             <a:r>
-              <a:rPr lang="en-US" sz="3200" dirty="0">
-                <a:solidFill>
-                  <a:prstClr val="black"/>
-                </a:solidFill>
-                <a:latin typeface="Calibri"/>
-                <a:ea typeface="+mn-ea"/>
-                <a:cs typeface="+mn-cs"/>
-              </a:rPr>
-              <a:t>/</a:t>
+              <a:rPr lang="en-US" dirty="0" smtClean="0"/>
+              <a:t>mdCodes YAML file</a:t>
             </a:r>
-            <a:r>
-              <a:rPr lang="en-US" sz="3200" dirty="0" err="1">
-                <a:solidFill>
-                  <a:prstClr val="black"/>
-                </a:solidFill>
-                <a:latin typeface="Calibri"/>
-                <a:ea typeface="+mn-ea"/>
-                <a:cs typeface="+mn-cs"/>
-              </a:rPr>
-              <a:t>api</a:t>
-            </a:r>
-            <a:r>
-              <a:rPr lang="en-US" sz="3200" dirty="0">
-                <a:solidFill>
-                  <a:prstClr val="black"/>
-                </a:solidFill>
-                <a:latin typeface="Calibri"/>
-                <a:ea typeface="+mn-ea"/>
-                <a:cs typeface="+mn-cs"/>
-              </a:rPr>
-              <a:t>/v1/options # returns JSON coded supported options for mdTranslator</a:t>
-            </a:r>
-          </a:p>
-          <a:p>
-            <a:pPr lvl="0"/>
-            <a:r>
-              <a:rPr lang="en-US" sz="3200" dirty="0">
-                <a:solidFill>
-                  <a:prstClr val="black"/>
-                </a:solidFill>
-                <a:latin typeface="Calibri"/>
-                <a:ea typeface="+mn-ea"/>
-                <a:cs typeface="+mn-cs"/>
-              </a:rPr>
-              <a:t>/</a:t>
-            </a:r>
-            <a:r>
-              <a:rPr lang="en-US" sz="3200" dirty="0" err="1">
-                <a:solidFill>
-                  <a:prstClr val="black"/>
-                </a:solidFill>
-                <a:latin typeface="Calibri"/>
-                <a:ea typeface="+mn-ea"/>
-                <a:cs typeface="+mn-cs"/>
-              </a:rPr>
-              <a:t>api</a:t>
-            </a:r>
-            <a:r>
-              <a:rPr lang="en-US" sz="3200" dirty="0">
-                <a:solidFill>
-                  <a:prstClr val="black"/>
-                </a:solidFill>
-                <a:latin typeface="Calibri"/>
-                <a:ea typeface="+mn-ea"/>
-                <a:cs typeface="+mn-cs"/>
-              </a:rPr>
-              <a:t>/v1/demo # html form to test mdTranslator options </a:t>
-            </a:r>
-          </a:p>
-          <a:p>
-            <a:pPr lvl="1">
-              <a:buFont typeface="Arial" panose="020B0604020202020204" pitchFamily="34" charset="0"/>
-              <a:buChar char="–"/>
-            </a:pPr>
-            <a:r>
-              <a:rPr lang="en-US" sz="2800" dirty="0">
-                <a:solidFill>
-                  <a:prstClr val="black"/>
-                </a:solidFill>
-                <a:latin typeface="Calibri"/>
-                <a:ea typeface="+mn-ea"/>
-                <a:cs typeface="+mn-cs"/>
-              </a:rPr>
-              <a:t>Uses POST from html form</a:t>
-            </a:r>
-          </a:p>
-          <a:p>
-            <a:pPr lvl="1">
-              <a:buFont typeface="Arial" panose="020B0604020202020204" pitchFamily="34" charset="0"/>
-              <a:buChar char="–"/>
-            </a:pPr>
-            <a:r>
-              <a:rPr lang="en-US" sz="2800" dirty="0">
-                <a:solidFill>
-                  <a:prstClr val="black"/>
-                </a:solidFill>
-                <a:latin typeface="Calibri"/>
-                <a:ea typeface="+mn-ea"/>
-                <a:cs typeface="+mn-cs"/>
-              </a:rPr>
-              <a:t>Show in Fiddler?</a:t>
-            </a:r>
-          </a:p>
-          <a:p>
-            <a:pPr lvl="1">
-              <a:buFont typeface="Arial" panose="020B0604020202020204" pitchFamily="34" charset="0"/>
-              <a:buChar char="–"/>
-            </a:pPr>
-            <a:r>
-              <a:rPr lang="en-US" sz="2800" dirty="0">
-                <a:solidFill>
-                  <a:prstClr val="black"/>
-                </a:solidFill>
-                <a:latin typeface="Calibri"/>
-                <a:ea typeface="+mn-ea"/>
-                <a:cs typeface="+mn-cs"/>
-              </a:rPr>
-              <a:t>Demonstrate options from demo page</a:t>
-            </a:r>
-          </a:p>
-          <a:p>
             <a:endParaRPr lang="en-US" dirty="0"/>
           </a:p>
         </p:txBody>
@@ -48971,7 +49112,7 @@
                   </a:srgbClr>
                 </a:solidFill>
               </a:rPr>
-              <a:t>5/4/2015</a:t>
+              <a:t>5/6/2015</a:t>
             </a:fld>
             <a:endParaRPr lang="en-US" dirty="0">
               <a:solidFill>
@@ -49062,777 +49203,6 @@
           </a:p>
         </p:txBody>
       </p:sp>
-    </p:spTree>
-    <p:extLst>
-      <p:ext uri="{BB962C8B-B14F-4D97-AF65-F5344CB8AC3E}">
-        <p14:creationId xmlns:p14="http://schemas.microsoft.com/office/powerpoint/2010/main" val="400670825"/>
-      </p:ext>
-    </p:extLst>
-  </p:cSld>
-  <p:clrMapOvr>
-    <a:masterClrMapping/>
-  </p:clrMapOvr>
-</p:sld>
-</file>
-
-<file path=ppt/slides/slide8.xml><?xml version="1.0" encoding="utf-8"?>
-<p:sld xmlns:a="http://schemas.openxmlformats.org/drawingml/2006/main" xmlns:r="http://schemas.openxmlformats.org/officeDocument/2006/relationships" xmlns:p="http://schemas.openxmlformats.org/presentationml/2006/main">
-  <p:cSld>
-    <p:spTree>
-      <p:nvGrpSpPr>
-        <p:cNvPr id="1" name=""/>
-        <p:cNvGrpSpPr/>
-        <p:nvPr/>
-      </p:nvGrpSpPr>
-      <p:grpSpPr>
-        <a:xfrm>
-          <a:off x="0" y="0"/>
-          <a:ext cx="0" cy="0"/>
-          <a:chOff x="0" y="0"/>
-          <a:chExt cx="0" cy="0"/>
-        </a:xfrm>
-      </p:grpSpPr>
-      <p:sp>
-        <p:nvSpPr>
-          <p:cNvPr id="2" name="Title 1"/>
-          <p:cNvSpPr>
-            <a:spLocks noGrp="1"/>
-          </p:cNvSpPr>
-          <p:nvPr>
-            <p:ph type="title"/>
-          </p:nvPr>
-        </p:nvSpPr>
-        <p:spPr/>
-        <p:txBody>
-          <a:bodyPr/>
-          <a:lstStyle/>
-          <a:p>
-            <a:endParaRPr lang="en-US"/>
-          </a:p>
-        </p:txBody>
-      </p:sp>
-      <p:sp>
-        <p:nvSpPr>
-          <p:cNvPr id="3" name="Content Placeholder 2"/>
-          <p:cNvSpPr>
-            <a:spLocks noGrp="1"/>
-          </p:cNvSpPr>
-          <p:nvPr>
-            <p:ph idx="1"/>
-          </p:nvPr>
-        </p:nvSpPr>
-        <p:spPr>
-          <a:xfrm>
-            <a:off x="457200" y="1600200"/>
-            <a:ext cx="8229600" cy="4343399"/>
-          </a:xfrm>
-        </p:spPr>
-        <p:txBody>
-          <a:bodyPr>
-            <a:normAutofit fontScale="92500" lnSpcReduction="20000"/>
-          </a:bodyPr>
-          <a:lstStyle/>
-          <a:p>
-            <a:pPr lvl="0"/>
-            <a:r>
-              <a:rPr lang="en-US" sz="2200" dirty="0" smtClean="0">
-                <a:solidFill>
-                  <a:prstClr val="black"/>
-                </a:solidFill>
-                <a:latin typeface="Calibri"/>
-                <a:ea typeface="+mn-ea"/>
-                <a:cs typeface="+mn-cs"/>
-              </a:rPr>
-              <a:t>Separate </a:t>
-            </a:r>
-            <a:r>
-              <a:rPr lang="en-US" sz="2200" dirty="0">
-                <a:solidFill>
-                  <a:prstClr val="black"/>
-                </a:solidFill>
-                <a:latin typeface="Calibri"/>
-                <a:ea typeface="+mn-ea"/>
-                <a:cs typeface="+mn-cs"/>
-              </a:rPr>
-              <a:t>Ruby module and gem from mdTranslator</a:t>
-            </a:r>
-          </a:p>
-          <a:p>
-            <a:pPr lvl="0"/>
-            <a:r>
-              <a:rPr lang="en-US" sz="2200" dirty="0">
-                <a:solidFill>
-                  <a:prstClr val="black"/>
-                </a:solidFill>
-                <a:latin typeface="Calibri"/>
-                <a:ea typeface="+mn-ea"/>
-                <a:cs typeface="+mn-cs"/>
-              </a:rPr>
-              <a:t>To be used by metadata content editors (mdEditor) to load </a:t>
-            </a:r>
-            <a:r>
-              <a:rPr lang="en-US" sz="2200" dirty="0" err="1">
-                <a:solidFill>
-                  <a:prstClr val="black"/>
-                </a:solidFill>
-                <a:latin typeface="Calibri"/>
-                <a:ea typeface="+mn-ea"/>
-                <a:cs typeface="+mn-cs"/>
-              </a:rPr>
-              <a:t>codeList</a:t>
-            </a:r>
-            <a:r>
-              <a:rPr lang="en-US" sz="2200" dirty="0">
-                <a:solidFill>
-                  <a:prstClr val="black"/>
-                </a:solidFill>
-                <a:latin typeface="Calibri"/>
-                <a:ea typeface="+mn-ea"/>
-                <a:cs typeface="+mn-cs"/>
-              </a:rPr>
-              <a:t> options</a:t>
-            </a:r>
-          </a:p>
-          <a:p>
-            <a:pPr lvl="0"/>
-            <a:r>
-              <a:rPr lang="en-US" sz="2200" dirty="0">
-                <a:solidFill>
-                  <a:prstClr val="black"/>
-                </a:solidFill>
-                <a:latin typeface="Calibri"/>
-                <a:ea typeface="+mn-ea"/>
-                <a:cs typeface="+mn-cs"/>
-              </a:rPr>
-              <a:t>Each </a:t>
-            </a:r>
-            <a:r>
-              <a:rPr lang="en-US" sz="2200" dirty="0" err="1">
-                <a:solidFill>
-                  <a:prstClr val="black"/>
-                </a:solidFill>
-                <a:latin typeface="Calibri"/>
-                <a:ea typeface="+mn-ea"/>
-                <a:cs typeface="+mn-cs"/>
-              </a:rPr>
-              <a:t>codelist</a:t>
-            </a:r>
-            <a:r>
-              <a:rPr lang="en-US" sz="2200" dirty="0">
-                <a:solidFill>
-                  <a:prstClr val="black"/>
-                </a:solidFill>
-                <a:latin typeface="Calibri"/>
-                <a:ea typeface="+mn-ea"/>
-                <a:cs typeface="+mn-cs"/>
-              </a:rPr>
-              <a:t> is a separate YAML file</a:t>
-            </a:r>
-          </a:p>
-          <a:p>
-            <a:pPr lvl="1">
-              <a:buFont typeface="Arial" panose="020B0604020202020204" pitchFamily="34" charset="0"/>
-              <a:buChar char="–"/>
-            </a:pPr>
-            <a:r>
-              <a:rPr lang="en-US" sz="2000" dirty="0">
-                <a:solidFill>
-                  <a:prstClr val="black"/>
-                </a:solidFill>
-                <a:latin typeface="Calibri"/>
-                <a:ea typeface="+mn-ea"/>
-                <a:cs typeface="+mn-cs"/>
-              </a:rPr>
-              <a:t>“Yet Another Markup Language” or “YAML </a:t>
-            </a:r>
-            <a:r>
-              <a:rPr lang="en-US" sz="2000" dirty="0" err="1">
-                <a:solidFill>
-                  <a:prstClr val="black"/>
-                </a:solidFill>
-                <a:latin typeface="Calibri"/>
-                <a:ea typeface="+mn-ea"/>
-                <a:cs typeface="+mn-cs"/>
-              </a:rPr>
-              <a:t>Ain’t</a:t>
-            </a:r>
-            <a:r>
-              <a:rPr lang="en-US" sz="2000" dirty="0">
-                <a:solidFill>
-                  <a:prstClr val="black"/>
-                </a:solidFill>
-                <a:latin typeface="Calibri"/>
-                <a:ea typeface="+mn-ea"/>
-                <a:cs typeface="+mn-cs"/>
-              </a:rPr>
-              <a:t> Markup Language”</a:t>
-            </a:r>
-          </a:p>
-          <a:p>
-            <a:pPr lvl="1">
-              <a:buFont typeface="Arial" panose="020B0604020202020204" pitchFamily="34" charset="0"/>
-              <a:buChar char="–"/>
-            </a:pPr>
-            <a:r>
-              <a:rPr lang="en-US" sz="2000" dirty="0">
-                <a:solidFill>
-                  <a:prstClr val="black"/>
-                </a:solidFill>
-                <a:latin typeface="Calibri"/>
-                <a:ea typeface="+mn-ea"/>
-                <a:cs typeface="+mn-cs"/>
-              </a:rPr>
-              <a:t>Suited for text editing structured data</a:t>
-            </a:r>
-          </a:p>
-          <a:p>
-            <a:pPr lvl="1">
-              <a:buFont typeface="Arial" panose="020B0604020202020204" pitchFamily="34" charset="0"/>
-              <a:buChar char="–"/>
-            </a:pPr>
-            <a:r>
-              <a:rPr lang="en-US" sz="2000" dirty="0">
-                <a:solidFill>
-                  <a:prstClr val="black"/>
-                </a:solidFill>
-                <a:latin typeface="Calibri"/>
-                <a:ea typeface="+mn-ea"/>
-                <a:cs typeface="+mn-cs"/>
-              </a:rPr>
-              <a:t>Supported in Ruby, Python, Perl</a:t>
-            </a:r>
-            <a:r>
-              <a:rPr lang="en-US" sz="2000" dirty="0" smtClean="0">
-                <a:solidFill>
-                  <a:prstClr val="black"/>
-                </a:solidFill>
-                <a:latin typeface="Calibri"/>
-                <a:ea typeface="+mn-ea"/>
-                <a:cs typeface="+mn-cs"/>
-              </a:rPr>
-              <a:t>, </a:t>
-            </a:r>
-            <a:r>
-              <a:rPr lang="en-US" sz="2000" dirty="0" err="1" smtClean="0">
-                <a:solidFill>
-                  <a:prstClr val="black"/>
-                </a:solidFill>
-                <a:latin typeface="Calibri"/>
-                <a:ea typeface="+mn-ea"/>
-                <a:cs typeface="+mn-cs"/>
-              </a:rPr>
-              <a:t>grep</a:t>
-            </a:r>
-            <a:endParaRPr lang="en-US" sz="2000" dirty="0">
-              <a:solidFill>
-                <a:prstClr val="black"/>
-              </a:solidFill>
-              <a:latin typeface="Calibri"/>
-              <a:ea typeface="+mn-ea"/>
-              <a:cs typeface="+mn-cs"/>
-            </a:endParaRPr>
-          </a:p>
-          <a:p>
-            <a:pPr lvl="0"/>
-            <a:r>
-              <a:rPr lang="en-US" sz="2200" dirty="0">
-                <a:solidFill>
-                  <a:prstClr val="black"/>
-                </a:solidFill>
-                <a:latin typeface="Calibri"/>
-                <a:ea typeface="+mn-ea"/>
-                <a:cs typeface="+mn-cs"/>
-              </a:rPr>
-              <a:t>Only supporting static </a:t>
-            </a:r>
-            <a:r>
-              <a:rPr lang="en-US" sz="2200" dirty="0" err="1">
-                <a:solidFill>
-                  <a:prstClr val="black"/>
-                </a:solidFill>
-                <a:latin typeface="Calibri"/>
-                <a:ea typeface="+mn-ea"/>
-                <a:cs typeface="+mn-cs"/>
-              </a:rPr>
-              <a:t>codelists</a:t>
-            </a:r>
-            <a:r>
-              <a:rPr lang="en-US" sz="2200" dirty="0">
-                <a:solidFill>
-                  <a:prstClr val="black"/>
-                </a:solidFill>
-                <a:latin typeface="Calibri"/>
-                <a:ea typeface="+mn-ea"/>
-                <a:cs typeface="+mn-cs"/>
-              </a:rPr>
-              <a:t> at this </a:t>
-            </a:r>
-            <a:r>
-              <a:rPr lang="en-US" sz="2200" dirty="0" smtClean="0">
-                <a:solidFill>
-                  <a:prstClr val="black"/>
-                </a:solidFill>
-                <a:latin typeface="Calibri"/>
-                <a:ea typeface="+mn-ea"/>
-                <a:cs typeface="+mn-cs"/>
-              </a:rPr>
-              <a:t>time</a:t>
-            </a:r>
-            <a:endParaRPr lang="en-US" sz="2200" dirty="0">
-              <a:solidFill>
-                <a:prstClr val="black"/>
-              </a:solidFill>
-              <a:latin typeface="Calibri"/>
-              <a:ea typeface="+mn-ea"/>
-              <a:cs typeface="+mn-cs"/>
-            </a:endParaRPr>
-          </a:p>
-          <a:p>
-            <a:pPr lvl="0"/>
-            <a:r>
-              <a:rPr lang="en-US" sz="2200" dirty="0" smtClean="0">
-                <a:solidFill>
-                  <a:prstClr val="black"/>
-                </a:solidFill>
-                <a:latin typeface="Calibri"/>
-                <a:ea typeface="+mn-ea"/>
-                <a:cs typeface="+mn-cs"/>
-              </a:rPr>
-              <a:t>May play a role </a:t>
-            </a:r>
-            <a:r>
-              <a:rPr lang="en-US" sz="2200" dirty="0">
-                <a:solidFill>
-                  <a:prstClr val="black"/>
-                </a:solidFill>
-                <a:latin typeface="Calibri"/>
-                <a:ea typeface="+mn-ea"/>
-                <a:cs typeface="+mn-cs"/>
-              </a:rPr>
-              <a:t>to provide consistent API for externally maintained hierarchical code lists such as </a:t>
-            </a:r>
-          </a:p>
-          <a:p>
-            <a:pPr lvl="1">
-              <a:buFont typeface="Arial" panose="020B0604020202020204" pitchFamily="34" charset="0"/>
-              <a:buChar char="–"/>
-            </a:pPr>
-            <a:r>
-              <a:rPr lang="en-US" sz="2000" dirty="0">
-                <a:solidFill>
-                  <a:prstClr val="black"/>
-                </a:solidFill>
-                <a:latin typeface="Calibri"/>
-                <a:ea typeface="+mn-ea"/>
-                <a:cs typeface="+mn-cs"/>
-              </a:rPr>
-              <a:t>GCMD Global Change Master Directory of Earth Science Keywords (NASA)</a:t>
-            </a:r>
-          </a:p>
-          <a:p>
-            <a:pPr lvl="1">
-              <a:buFont typeface="Arial" panose="020B0604020202020204" pitchFamily="34" charset="0"/>
-              <a:buChar char="–"/>
-            </a:pPr>
-            <a:r>
-              <a:rPr lang="en-US" sz="2000" dirty="0">
-                <a:solidFill>
-                  <a:prstClr val="black"/>
-                </a:solidFill>
-                <a:latin typeface="Calibri"/>
-                <a:ea typeface="+mn-ea"/>
-                <a:cs typeface="+mn-cs"/>
-              </a:rPr>
-              <a:t>Several candidates from NOAA </a:t>
-            </a:r>
-            <a:endParaRPr lang="en-US" sz="2000" dirty="0" smtClean="0">
-              <a:solidFill>
-                <a:prstClr val="black"/>
-              </a:solidFill>
-              <a:latin typeface="Calibri"/>
-              <a:ea typeface="+mn-ea"/>
-              <a:cs typeface="+mn-cs"/>
-            </a:endParaRPr>
-          </a:p>
-          <a:p>
-            <a:pPr lvl="1">
-              <a:buFont typeface="Arial" panose="020B0604020202020204" pitchFamily="34" charset="0"/>
-              <a:buChar char="–"/>
-            </a:pPr>
-            <a:r>
-              <a:rPr lang="en-US" sz="2000" dirty="0" smtClean="0">
-                <a:solidFill>
-                  <a:prstClr val="black"/>
-                </a:solidFill>
-                <a:latin typeface="Calibri"/>
-                <a:ea typeface="+mn-ea"/>
-                <a:cs typeface="+mn-cs"/>
-              </a:rPr>
-              <a:t>ITIS</a:t>
-            </a:r>
-          </a:p>
-          <a:p>
-            <a:pPr lvl="1">
-              <a:buFont typeface="Arial" panose="020B0604020202020204" pitchFamily="34" charset="0"/>
-              <a:buChar char="–"/>
-            </a:pPr>
-            <a:r>
-              <a:rPr lang="en-US" sz="2000" dirty="0" smtClean="0">
-                <a:solidFill>
-                  <a:prstClr val="black"/>
-                </a:solidFill>
-                <a:latin typeface="Calibri"/>
-                <a:ea typeface="+mn-ea"/>
-                <a:cs typeface="+mn-cs"/>
-              </a:rPr>
-              <a:t>GNIS</a:t>
-            </a:r>
-            <a:endParaRPr lang="en-US" sz="2000" dirty="0">
-              <a:solidFill>
-                <a:prstClr val="black"/>
-              </a:solidFill>
-              <a:latin typeface="Calibri"/>
-              <a:ea typeface="+mn-ea"/>
-              <a:cs typeface="+mn-cs"/>
-            </a:endParaRPr>
-          </a:p>
-          <a:p>
-            <a:endParaRPr lang="en-US" dirty="0"/>
-          </a:p>
-        </p:txBody>
-      </p:sp>
-      <p:sp>
-        <p:nvSpPr>
-          <p:cNvPr id="4" name="Date Placeholder 3"/>
-          <p:cNvSpPr>
-            <a:spLocks noGrp="1"/>
-          </p:cNvSpPr>
-          <p:nvPr>
-            <p:ph type="dt" sz="half" idx="10"/>
-          </p:nvPr>
-        </p:nvSpPr>
-        <p:spPr/>
-        <p:txBody>
-          <a:bodyPr/>
-          <a:lstStyle/>
-          <a:p>
-            <a:pPr>
-              <a:defRPr/>
-            </a:pPr>
-            <a:fld id="{6C3DD7D0-7E54-4926-8269-92427B4182BC}" type="datetime1">
-              <a:rPr lang="en-US" smtClean="0">
-                <a:solidFill>
-                  <a:srgbClr val="04617B">
-                    <a:shade val="90000"/>
-                  </a:srgbClr>
-                </a:solidFill>
-              </a:rPr>
-              <a:t>5/4/2015</a:t>
-            </a:fld>
-            <a:endParaRPr lang="en-US" dirty="0">
-              <a:solidFill>
-                <a:srgbClr val="04617B">
-                  <a:shade val="90000"/>
-                </a:srgbClr>
-              </a:solidFill>
-            </a:endParaRPr>
-          </a:p>
-        </p:txBody>
-      </p:sp>
-      <p:sp>
-        <p:nvSpPr>
-          <p:cNvPr id="5" name="Footer Placeholder 4"/>
-          <p:cNvSpPr>
-            <a:spLocks noGrp="1"/>
-          </p:cNvSpPr>
-          <p:nvPr>
-            <p:ph type="ftr" sz="quarter" idx="11"/>
-          </p:nvPr>
-        </p:nvSpPr>
-        <p:spPr/>
-        <p:txBody>
-          <a:bodyPr/>
-          <a:lstStyle/>
-          <a:p>
-            <a:pPr>
-              <a:defRPr/>
-            </a:pPr>
-            <a:r>
-              <a:rPr lang="en-US" smtClean="0">
-                <a:solidFill>
-                  <a:srgbClr val="04617B">
-                    <a:shade val="90000"/>
-                  </a:srgbClr>
-                </a:solidFill>
-              </a:rPr>
-              <a:t>www.adiwg.org</a:t>
-            </a:r>
-            <a:endParaRPr lang="en-US" dirty="0" smtClean="0">
-              <a:solidFill>
-                <a:srgbClr val="04617B">
-                  <a:shade val="90000"/>
-                </a:srgbClr>
-              </a:solidFill>
-            </a:endParaRPr>
-          </a:p>
-        </p:txBody>
-      </p:sp>
-      <p:sp>
-        <p:nvSpPr>
-          <p:cNvPr id="6" name="Slide Number Placeholder 5"/>
-          <p:cNvSpPr>
-            <a:spLocks noGrp="1"/>
-          </p:cNvSpPr>
-          <p:nvPr>
-            <p:ph type="sldNum" sz="quarter" idx="12"/>
-          </p:nvPr>
-        </p:nvSpPr>
-        <p:spPr/>
-        <p:txBody>
-          <a:bodyPr/>
-          <a:lstStyle/>
-          <a:p>
-            <a:pPr>
-              <a:defRPr/>
-            </a:pPr>
-            <a:fld id="{D96B19B3-FA35-4262-952F-7D873B09162D}" type="slidenum">
-              <a:rPr lang="en-US" smtClean="0">
-                <a:solidFill>
-                  <a:srgbClr val="04617B">
-                    <a:shade val="90000"/>
-                  </a:srgbClr>
-                </a:solidFill>
-              </a:rPr>
-              <a:pPr>
-                <a:defRPr/>
-              </a:pPr>
-              <a:t>8</a:t>
-            </a:fld>
-            <a:endParaRPr lang="en-US" dirty="0">
-              <a:solidFill>
-                <a:srgbClr val="04617B">
-                  <a:shade val="90000"/>
-                </a:srgbClr>
-              </a:solidFill>
-            </a:endParaRPr>
-          </a:p>
-        </p:txBody>
-      </p:sp>
-    </p:spTree>
-    <p:extLst>
-      <p:ext uri="{BB962C8B-B14F-4D97-AF65-F5344CB8AC3E}">
-        <p14:creationId xmlns:p14="http://schemas.microsoft.com/office/powerpoint/2010/main" val="1067822905"/>
-      </p:ext>
-    </p:extLst>
-  </p:cSld>
-  <p:clrMapOvr>
-    <a:masterClrMapping/>
-  </p:clrMapOvr>
-  <p:timing>
-    <p:tnLst>
-      <p:par>
-        <p:cTn id="1" dur="indefinite" restart="never" nodeType="tmRoot"/>
-      </p:par>
-    </p:tnLst>
-  </p:timing>
-</p:sld>
-</file>
-
-<file path=ppt/slides/slide9.xml><?xml version="1.0" encoding="utf-8"?>
-<p:sld xmlns:a="http://schemas.openxmlformats.org/drawingml/2006/main" xmlns:r="http://schemas.openxmlformats.org/officeDocument/2006/relationships" xmlns:p="http://schemas.openxmlformats.org/presentationml/2006/main">
-  <p:cSld>
-    <p:spTree>
-      <p:nvGrpSpPr>
-        <p:cNvPr id="1" name=""/>
-        <p:cNvGrpSpPr/>
-        <p:nvPr/>
-      </p:nvGrpSpPr>
-      <p:grpSpPr>
-        <a:xfrm>
-          <a:off x="0" y="0"/>
-          <a:ext cx="0" cy="0"/>
-          <a:chOff x="0" y="0"/>
-          <a:chExt cx="0" cy="0"/>
-        </a:xfrm>
-      </p:grpSpPr>
-      <p:pic>
-        <p:nvPicPr>
-          <p:cNvPr id="11" name="Content Placeholder 3"/>
-          <p:cNvPicPr>
-            <a:picLocks noChangeAspect="1"/>
-          </p:cNvPicPr>
-          <p:nvPr/>
-        </p:nvPicPr>
-        <p:blipFill rotWithShape="1">
-          <a:blip r:embed="rId2">
-            <a:extLst>
-              <a:ext uri="{28A0092B-C50C-407E-A947-70E740481C1C}">
-                <a14:useLocalDpi xmlns:a14="http://schemas.microsoft.com/office/drawing/2010/main" val="0"/>
-              </a:ext>
-            </a:extLst>
-          </a:blip>
-          <a:srcRect b="44231"/>
-          <a:stretch/>
-        </p:blipFill>
-        <p:spPr>
-          <a:xfrm>
-            <a:off x="457200" y="2057400"/>
-            <a:ext cx="8251429" cy="3024738"/>
-          </a:xfrm>
-          <a:prstGeom prst="roundRect">
-            <a:avLst>
-              <a:gd name="adj" fmla="val 8594"/>
-            </a:avLst>
-          </a:prstGeom>
-          <a:solidFill>
-            <a:srgbClr val="FFFFFF">
-              <a:shade val="85000"/>
-            </a:srgbClr>
-          </a:solidFill>
-          <a:ln>
-            <a:noFill/>
-          </a:ln>
-          <a:effectLst>
-            <a:reflection blurRad="12700" stA="38000" endPos="28000" dist="5000" dir="5400000" sy="-100000" algn="bl" rotWithShape="0"/>
-          </a:effectLst>
-        </p:spPr>
-      </p:pic>
-      <p:sp>
-        <p:nvSpPr>
-          <p:cNvPr id="2" name="Title 1"/>
-          <p:cNvSpPr>
-            <a:spLocks noGrp="1"/>
-          </p:cNvSpPr>
-          <p:nvPr>
-            <p:ph type="title"/>
-          </p:nvPr>
-        </p:nvSpPr>
-        <p:spPr/>
-        <p:txBody>
-          <a:bodyPr/>
-          <a:lstStyle/>
-          <a:p>
-            <a:endParaRPr lang="en-US"/>
-          </a:p>
-        </p:txBody>
-      </p:sp>
-      <p:sp>
-        <p:nvSpPr>
-          <p:cNvPr id="4" name="Date Placeholder 3"/>
-          <p:cNvSpPr>
-            <a:spLocks noGrp="1"/>
-          </p:cNvSpPr>
-          <p:nvPr>
-            <p:ph type="dt" sz="half" idx="10"/>
-          </p:nvPr>
-        </p:nvSpPr>
-        <p:spPr/>
-        <p:txBody>
-          <a:bodyPr/>
-          <a:lstStyle/>
-          <a:p>
-            <a:pPr>
-              <a:defRPr/>
-            </a:pPr>
-            <a:fld id="{6C3DD7D0-7E54-4926-8269-92427B4182BC}" type="datetime1">
-              <a:rPr lang="en-US" smtClean="0">
-                <a:solidFill>
-                  <a:srgbClr val="04617B">
-                    <a:shade val="90000"/>
-                  </a:srgbClr>
-                </a:solidFill>
-              </a:rPr>
-              <a:t>5/4/2015</a:t>
-            </a:fld>
-            <a:endParaRPr lang="en-US" dirty="0">
-              <a:solidFill>
-                <a:srgbClr val="04617B">
-                  <a:shade val="90000"/>
-                </a:srgbClr>
-              </a:solidFill>
-            </a:endParaRPr>
-          </a:p>
-        </p:txBody>
-      </p:sp>
-      <p:sp>
-        <p:nvSpPr>
-          <p:cNvPr id="5" name="Footer Placeholder 4"/>
-          <p:cNvSpPr>
-            <a:spLocks noGrp="1"/>
-          </p:cNvSpPr>
-          <p:nvPr>
-            <p:ph type="ftr" sz="quarter" idx="11"/>
-          </p:nvPr>
-        </p:nvSpPr>
-        <p:spPr/>
-        <p:txBody>
-          <a:bodyPr/>
-          <a:lstStyle/>
-          <a:p>
-            <a:pPr>
-              <a:defRPr/>
-            </a:pPr>
-            <a:r>
-              <a:rPr lang="en-US" smtClean="0">
-                <a:solidFill>
-                  <a:srgbClr val="04617B">
-                    <a:shade val="90000"/>
-                  </a:srgbClr>
-                </a:solidFill>
-              </a:rPr>
-              <a:t>www.adiwg.org</a:t>
-            </a:r>
-            <a:endParaRPr lang="en-US" dirty="0" smtClean="0">
-              <a:solidFill>
-                <a:srgbClr val="04617B">
-                  <a:shade val="90000"/>
-                </a:srgbClr>
-              </a:solidFill>
-            </a:endParaRPr>
-          </a:p>
-        </p:txBody>
-      </p:sp>
-      <p:sp>
-        <p:nvSpPr>
-          <p:cNvPr id="6" name="Slide Number Placeholder 5"/>
-          <p:cNvSpPr>
-            <a:spLocks noGrp="1"/>
-          </p:cNvSpPr>
-          <p:nvPr>
-            <p:ph type="sldNum" sz="quarter" idx="12"/>
-          </p:nvPr>
-        </p:nvSpPr>
-        <p:spPr/>
-        <p:txBody>
-          <a:bodyPr/>
-          <a:lstStyle/>
-          <a:p>
-            <a:pPr>
-              <a:defRPr/>
-            </a:pPr>
-            <a:fld id="{D96B19B3-FA35-4262-952F-7D873B09162D}" type="slidenum">
-              <a:rPr lang="en-US" smtClean="0">
-                <a:solidFill>
-                  <a:srgbClr val="04617B">
-                    <a:shade val="90000"/>
-                  </a:srgbClr>
-                </a:solidFill>
-              </a:rPr>
-              <a:pPr>
-                <a:defRPr/>
-              </a:pPr>
-              <a:t>9</a:t>
-            </a:fld>
-            <a:endParaRPr lang="en-US" dirty="0">
-              <a:solidFill>
-                <a:srgbClr val="04617B">
-                  <a:shade val="90000"/>
-                </a:srgbClr>
-              </a:solidFill>
-            </a:endParaRPr>
-          </a:p>
-        </p:txBody>
-      </p:sp>
       <p:pic>
         <p:nvPicPr>
           <p:cNvPr id="10" name="Content Placeholder 3"/>
@@ -49842,7 +49212,7 @@
           <p:nvPr/>
         </p:nvPicPr>
         <p:blipFill rotWithShape="1">
-          <a:blip r:embed="rId2">
+          <a:blip r:embed="rId3">
             <a:extLst>
               <a:ext uri="{28A0092B-C50C-407E-A947-70E740481C1C}">
                 <a14:useLocalDpi xmlns:a14="http://schemas.microsoft.com/office/drawing/2010/main" val="0"/>
@@ -50035,37 +49405,25 @@
           </a:lstStyle>
           <a:p>
             <a:r>
-              <a:rPr lang="en-US" sz="2400" dirty="0" smtClean="0">
+              <a:rPr lang="en-US" sz="2000" dirty="0" smtClean="0">
                 <a:solidFill>
-                  <a:prstClr val="black"/>
+                  <a:schemeClr val="tx1">
+                    <a:lumMod val="65000"/>
+                    <a:lumOff val="35000"/>
+                  </a:schemeClr>
                 </a:solidFill>
-                <a:latin typeface="Calibri"/>
+                <a:latin typeface="Lucida Sans"/>
               </a:rPr>
-              <a:t>Static </a:t>
+              <a:t>Static codelist example</a:t>
             </a:r>
-            <a:r>
-              <a:rPr lang="en-US" sz="2400" dirty="0" err="1" smtClean="0">
-                <a:solidFill>
-                  <a:prstClr val="black"/>
-                </a:solidFill>
-                <a:latin typeface="Calibri"/>
-              </a:rPr>
-              <a:t>codelist</a:t>
-            </a:r>
-            <a:r>
-              <a:rPr lang="en-US" sz="2400" dirty="0" smtClean="0">
-                <a:solidFill>
-                  <a:prstClr val="black"/>
-                </a:solidFill>
-                <a:latin typeface="Calibri"/>
-              </a:rPr>
-              <a:t> example</a:t>
-            </a:r>
-            <a:endParaRPr lang="en-US" sz="2400" dirty="0">
+            <a:endParaRPr lang="en-US" sz="2000" dirty="0">
               <a:solidFill>
-                <a:prstClr val="black"/>
+                <a:schemeClr val="tx1">
+                  <a:lumMod val="65000"/>
+                  <a:lumOff val="35000"/>
+                </a:schemeClr>
               </a:solidFill>
-              <a:latin typeface="Calibri"/>
+              <a:latin typeface="Lucida Sans"/>
             </a:endParaRPr>
           </a:p>
         </p:txBody>
@@ -50074,6 +49432,761 @@
     <p:extLst>
       <p:ext uri="{BB962C8B-B14F-4D97-AF65-F5344CB8AC3E}">
         <p14:creationId xmlns:p14="http://schemas.microsoft.com/office/powerpoint/2010/main" val="1203029474"/>
+      </p:ext>
+    </p:extLst>
+  </p:cSld>
+  <p:clrMapOvr>
+    <a:masterClrMapping/>
+  </p:clrMapOvr>
+  <p:timing>
+    <p:tnLst>
+      <p:par>
+        <p:cTn id="1" dur="indefinite" restart="never" nodeType="tmRoot"/>
+      </p:par>
+    </p:tnLst>
+  </p:timing>
+</p:sld>
+</file>
+
+<file path=ppt/slides/slide8.xml><?xml version="1.0" encoding="utf-8"?>
+<p:sld xmlns:a="http://schemas.openxmlformats.org/drawingml/2006/main" xmlns:r="http://schemas.openxmlformats.org/officeDocument/2006/relationships" xmlns:p="http://schemas.openxmlformats.org/presentationml/2006/main">
+  <p:cSld>
+    <p:spTree>
+      <p:nvGrpSpPr>
+        <p:cNvPr id="1" name=""/>
+        <p:cNvGrpSpPr/>
+        <p:nvPr/>
+      </p:nvGrpSpPr>
+      <p:grpSpPr>
+        <a:xfrm>
+          <a:off x="0" y="0"/>
+          <a:ext cx="0" cy="0"/>
+          <a:chOff x="0" y="0"/>
+          <a:chExt cx="0" cy="0"/>
+        </a:xfrm>
+      </p:grpSpPr>
+      <p:sp>
+        <p:nvSpPr>
+          <p:cNvPr id="2" name="Title 1"/>
+          <p:cNvSpPr>
+            <a:spLocks noGrp="1"/>
+          </p:cNvSpPr>
+          <p:nvPr>
+            <p:ph type="title"/>
+          </p:nvPr>
+        </p:nvSpPr>
+        <p:spPr/>
+        <p:txBody>
+          <a:bodyPr/>
+          <a:lstStyle/>
+          <a:p>
+            <a:r>
+              <a:rPr lang="en-US" dirty="0" smtClean="0"/>
+              <a:t>mdCodes API</a:t>
+            </a:r>
+            <a:endParaRPr lang="en-US" dirty="0"/>
+          </a:p>
+        </p:txBody>
+      </p:sp>
+      <p:sp>
+        <p:nvSpPr>
+          <p:cNvPr id="3" name="Content Placeholder 2"/>
+          <p:cNvSpPr>
+            <a:spLocks noGrp="1"/>
+          </p:cNvSpPr>
+          <p:nvPr>
+            <p:ph idx="1"/>
+          </p:nvPr>
+        </p:nvSpPr>
+        <p:spPr/>
+        <p:txBody>
+          <a:bodyPr vert="horz" lIns="91440" tIns="45720" rIns="91440" bIns="45720" rtlCol="0">
+            <a:normAutofit/>
+          </a:bodyPr>
+          <a:lstStyle/>
+          <a:p>
+            <a:r>
+              <a:rPr lang="en-US" sz="1600" dirty="0" smtClean="0"/>
+              <a:t>.../</a:t>
+            </a:r>
+            <a:r>
+              <a:rPr lang="en-US" sz="1600" dirty="0" err="1" smtClean="0"/>
+              <a:t>api</a:t>
+            </a:r>
+            <a:r>
+              <a:rPr lang="en-US" sz="1600" dirty="0" smtClean="0"/>
+              <a:t>/codelists  </a:t>
+            </a:r>
+            <a:r>
+              <a:rPr lang="en-US" sz="1600" dirty="0"/>
+              <a:t>– use chrome w/ JSON </a:t>
+            </a:r>
+            <a:r>
+              <a:rPr lang="en-US" sz="1600" dirty="0" smtClean="0"/>
+              <a:t>formatter plugin</a:t>
+            </a:r>
+            <a:endParaRPr lang="en-US" sz="1600" dirty="0"/>
+          </a:p>
+          <a:p>
+            <a:pPr lvl="1"/>
+            <a:r>
+              <a:rPr lang="en-US" sz="1600" dirty="0" smtClean="0"/>
+              <a:t>All codelists </a:t>
+            </a:r>
+            <a:r>
+              <a:rPr lang="en-US" sz="1600" dirty="0"/>
+              <a:t>and values </a:t>
+            </a:r>
+            <a:r>
+              <a:rPr lang="en-US" sz="1600" dirty="0" smtClean="0"/>
+              <a:t>	</a:t>
+            </a:r>
+            <a:r>
+              <a:rPr lang="en-US" sz="1600" dirty="0" smtClean="0">
+                <a:hlinkClick r:id="rId2"/>
+              </a:rPr>
+              <a:t>.../</a:t>
+            </a:r>
+            <a:r>
+              <a:rPr lang="en-US" sz="1600" dirty="0" err="1" smtClean="0">
+                <a:hlinkClick r:id="rId2"/>
+              </a:rPr>
+              <a:t>api</a:t>
+            </a:r>
+            <a:r>
+              <a:rPr lang="en-US" sz="1600" dirty="0" smtClean="0">
+                <a:hlinkClick r:id="rId2"/>
+              </a:rPr>
+              <a:t>/codelists</a:t>
+            </a:r>
+            <a:r>
+              <a:rPr lang="en-US" sz="1600" dirty="0" smtClean="0"/>
+              <a:t> </a:t>
+            </a:r>
+            <a:endParaRPr lang="en-US" sz="1600" dirty="0"/>
+          </a:p>
+          <a:p>
+            <a:pPr lvl="1"/>
+            <a:r>
+              <a:rPr lang="en-US" sz="1600" dirty="0" smtClean="0"/>
+              <a:t>All codelists and </a:t>
+            </a:r>
+            <a:r>
+              <a:rPr lang="en-US" sz="1600" dirty="0"/>
+              <a:t>values </a:t>
+            </a:r>
+            <a:r>
+              <a:rPr lang="en-US" sz="1600" dirty="0" smtClean="0"/>
+              <a:t>	</a:t>
+            </a:r>
+            <a:r>
+              <a:rPr lang="en-US" sz="1600" dirty="0" smtClean="0">
+                <a:hlinkClick r:id="rId3"/>
+              </a:rPr>
+              <a:t>.../</a:t>
+            </a:r>
+            <a:r>
+              <a:rPr lang="en-US" sz="1600" dirty="0" err="1" smtClean="0">
+                <a:hlinkClick r:id="rId3"/>
+              </a:rPr>
+              <a:t>api</a:t>
+            </a:r>
+            <a:r>
+              <a:rPr lang="en-US" sz="1600" dirty="0" smtClean="0">
+                <a:hlinkClick r:id="rId3"/>
+              </a:rPr>
+              <a:t>/</a:t>
+            </a:r>
+            <a:r>
+              <a:rPr lang="en-US" sz="1600" dirty="0" err="1" smtClean="0">
+                <a:hlinkClick r:id="rId3"/>
+              </a:rPr>
+              <a:t>codelists?format</a:t>
+            </a:r>
+            <a:r>
+              <a:rPr lang="en-US" sz="1600" dirty="0" smtClean="0">
+                <a:hlinkClick r:id="rId3"/>
+              </a:rPr>
+              <a:t>=</a:t>
+            </a:r>
+            <a:r>
+              <a:rPr lang="en-US" sz="1600" dirty="0" err="1" smtClean="0">
+                <a:hlinkClick r:id="rId3"/>
+              </a:rPr>
+              <a:t>json</a:t>
+            </a:r>
+            <a:r>
+              <a:rPr lang="en-US" sz="1600" dirty="0" smtClean="0"/>
+              <a:t> </a:t>
+            </a:r>
+            <a:endParaRPr lang="en-US" sz="1600" dirty="0"/>
+          </a:p>
+          <a:p>
+            <a:pPr lvl="1"/>
+            <a:r>
+              <a:rPr lang="en-US" sz="1600" dirty="0" smtClean="0"/>
+              <a:t>ISO </a:t>
+            </a:r>
+            <a:r>
+              <a:rPr lang="en-US" sz="1600" dirty="0" err="1" smtClean="0"/>
+              <a:t>CT_CodelistCatalogue</a:t>
+            </a:r>
+            <a:r>
+              <a:rPr lang="en-US" sz="1600" dirty="0" smtClean="0"/>
+              <a:t> 	</a:t>
+            </a:r>
+            <a:r>
+              <a:rPr lang="en-US" sz="1600" dirty="0" smtClean="0">
+                <a:hlinkClick r:id="rId4"/>
+              </a:rPr>
+              <a:t>.../</a:t>
+            </a:r>
+            <a:r>
+              <a:rPr lang="en-US" sz="1600" dirty="0" err="1" smtClean="0">
+                <a:hlinkClick r:id="rId4"/>
+              </a:rPr>
+              <a:t>api</a:t>
+            </a:r>
+            <a:r>
+              <a:rPr lang="en-US" sz="1600" dirty="0" smtClean="0">
+                <a:hlinkClick r:id="rId4"/>
+              </a:rPr>
+              <a:t>/</a:t>
+            </a:r>
+            <a:r>
+              <a:rPr lang="en-US" sz="1600" dirty="0" err="1" smtClean="0">
+                <a:hlinkClick r:id="rId4"/>
+              </a:rPr>
+              <a:t>codelists?format</a:t>
+            </a:r>
+            <a:r>
+              <a:rPr lang="en-US" sz="1600" dirty="0" smtClean="0">
+                <a:hlinkClick r:id="rId4"/>
+              </a:rPr>
+              <a:t>=xml</a:t>
+            </a:r>
+            <a:r>
+              <a:rPr lang="en-US" sz="1600" dirty="0" smtClean="0"/>
+              <a:t> </a:t>
+            </a:r>
+            <a:endParaRPr lang="en-US" sz="1600" dirty="0"/>
+          </a:p>
+          <a:p>
+            <a:pPr lvl="1"/>
+            <a:r>
+              <a:rPr lang="en-US" sz="1600" dirty="0" smtClean="0"/>
+              <a:t>All codes with definitions 	</a:t>
+            </a:r>
+            <a:r>
+              <a:rPr lang="en-US" sz="1600" dirty="0" smtClean="0">
+                <a:hlinkClick r:id="rId5"/>
+              </a:rPr>
+              <a:t>.../</a:t>
+            </a:r>
+            <a:r>
+              <a:rPr lang="en-US" sz="1600" dirty="0" err="1" smtClean="0">
+                <a:hlinkClick r:id="rId5"/>
+              </a:rPr>
+              <a:t>api</a:t>
+            </a:r>
+            <a:r>
+              <a:rPr lang="en-US" sz="1600" dirty="0" smtClean="0">
+                <a:hlinkClick r:id="rId5"/>
+              </a:rPr>
+              <a:t>/</a:t>
+            </a:r>
+            <a:r>
+              <a:rPr lang="en-US" sz="1600" dirty="0" err="1" smtClean="0">
+                <a:hlinkClick r:id="rId5"/>
+              </a:rPr>
+              <a:t>codelists?definitions</a:t>
+            </a:r>
+            <a:r>
+              <a:rPr lang="en-US" sz="1600" dirty="0" smtClean="0">
+                <a:hlinkClick r:id="rId5"/>
+              </a:rPr>
+              <a:t>=true</a:t>
+            </a:r>
+            <a:r>
+              <a:rPr lang="en-US" sz="1600" dirty="0" smtClean="0"/>
+              <a:t> </a:t>
+            </a:r>
+            <a:endParaRPr lang="en-US" sz="1600" dirty="0"/>
+          </a:p>
+          <a:p>
+            <a:pPr lvl="1"/>
+            <a:r>
+              <a:rPr lang="en-US" sz="1600" dirty="0" smtClean="0"/>
+              <a:t>Add a </a:t>
+            </a:r>
+            <a:r>
+              <a:rPr lang="en-US" sz="1600" dirty="0" err="1" smtClean="0"/>
+              <a:t>JSONp</a:t>
+            </a:r>
+            <a:r>
+              <a:rPr lang="en-US" sz="1600" dirty="0" smtClean="0"/>
+              <a:t> wrapper 	</a:t>
+            </a:r>
+            <a:r>
+              <a:rPr lang="en-US" sz="1600" dirty="0" smtClean="0">
+                <a:hlinkClick r:id="rId6"/>
+              </a:rPr>
+              <a:t>.../</a:t>
+            </a:r>
+            <a:r>
+              <a:rPr lang="en-US" sz="1600" dirty="0" err="1" smtClean="0">
+                <a:hlinkClick r:id="rId6"/>
+              </a:rPr>
+              <a:t>api</a:t>
+            </a:r>
+            <a:r>
+              <a:rPr lang="en-US" sz="1600" dirty="0" smtClean="0">
+                <a:hlinkClick r:id="rId6"/>
+              </a:rPr>
+              <a:t>/</a:t>
+            </a:r>
+            <a:r>
+              <a:rPr lang="en-US" sz="1600" dirty="0" err="1" smtClean="0">
+                <a:hlinkClick r:id="rId6"/>
+              </a:rPr>
+              <a:t>codelists?callback</a:t>
+            </a:r>
+            <a:r>
+              <a:rPr lang="en-US" sz="1600" dirty="0" smtClean="0">
+                <a:hlinkClick r:id="rId6"/>
+              </a:rPr>
+              <a:t>=</a:t>
+            </a:r>
+            <a:r>
+              <a:rPr lang="en-US" sz="1600" dirty="0" err="1" smtClean="0">
+                <a:hlinkClick r:id="rId6"/>
+              </a:rPr>
+              <a:t>myCall</a:t>
+            </a:r>
+            <a:r>
+              <a:rPr lang="en-US" sz="1600" dirty="0" smtClean="0"/>
+              <a:t>  </a:t>
+            </a:r>
+          </a:p>
+          <a:p>
+            <a:pPr lvl="1"/>
+            <a:r>
+              <a:rPr lang="en-US" sz="1600" dirty="0" smtClean="0"/>
+              <a:t>Single codelist 		</a:t>
+            </a:r>
+            <a:r>
+              <a:rPr lang="en-US" sz="1600" dirty="0" smtClean="0">
+                <a:hlinkClick r:id="rId7"/>
+              </a:rPr>
+              <a:t>.../</a:t>
+            </a:r>
+            <a:r>
+              <a:rPr lang="en-US" sz="1600" dirty="0" err="1" smtClean="0">
+                <a:hlinkClick r:id="rId7"/>
+              </a:rPr>
+              <a:t>api</a:t>
+            </a:r>
+            <a:r>
+              <a:rPr lang="en-US" sz="1600" dirty="0" smtClean="0">
+                <a:hlinkClick r:id="rId7"/>
+              </a:rPr>
+              <a:t>/codelists/</a:t>
+            </a:r>
+            <a:r>
+              <a:rPr lang="en-US" sz="1600" dirty="0" err="1" smtClean="0">
+                <a:hlinkClick r:id="rId7"/>
+              </a:rPr>
+              <a:t>iso_restriction</a:t>
+            </a:r>
+            <a:r>
+              <a:rPr lang="en-US" sz="1600" dirty="0" smtClean="0"/>
+              <a:t> </a:t>
+            </a:r>
+          </a:p>
+          <a:p>
+            <a:pPr lvl="1"/>
+            <a:r>
+              <a:rPr lang="en-US" sz="1600" dirty="0" smtClean="0"/>
+              <a:t>Single codelist </a:t>
+            </a:r>
+            <a:r>
+              <a:rPr lang="en-US" sz="1600" dirty="0"/>
+              <a:t>with definitions 	 </a:t>
+            </a:r>
+            <a:r>
+              <a:rPr lang="en-US" sz="1600" dirty="0" smtClean="0"/>
+              <a:t>					</a:t>
+            </a:r>
+            <a:r>
+              <a:rPr lang="en-US" sz="1600" dirty="0" smtClean="0">
+                <a:hlinkClick r:id="rId8"/>
+              </a:rPr>
+              <a:t>.../</a:t>
+            </a:r>
+            <a:r>
+              <a:rPr lang="en-US" sz="1600" dirty="0" err="1" smtClean="0">
+                <a:hlinkClick r:id="rId8"/>
+              </a:rPr>
+              <a:t>api</a:t>
+            </a:r>
+            <a:r>
+              <a:rPr lang="en-US" sz="1600" dirty="0" smtClean="0">
+                <a:hlinkClick r:id="rId8"/>
+              </a:rPr>
+              <a:t>/codelists/</a:t>
+            </a:r>
+            <a:r>
+              <a:rPr lang="en-US" sz="1600" dirty="0" err="1" smtClean="0">
+                <a:hlinkClick r:id="rId8"/>
+              </a:rPr>
+              <a:t>iso_mediumName?definitions</a:t>
+            </a:r>
+            <a:r>
+              <a:rPr lang="en-US" sz="1600" dirty="0" smtClean="0">
+                <a:hlinkClick r:id="rId8"/>
+              </a:rPr>
+              <a:t>=true</a:t>
+            </a:r>
+            <a:r>
+              <a:rPr lang="en-US" sz="1600" dirty="0" smtClean="0"/>
+              <a:t> </a:t>
+            </a:r>
+          </a:p>
+          <a:p>
+            <a:endParaRPr lang="en-US" sz="1600" dirty="0"/>
+          </a:p>
+        </p:txBody>
+      </p:sp>
+      <p:sp>
+        <p:nvSpPr>
+          <p:cNvPr id="4" name="Date Placeholder 3"/>
+          <p:cNvSpPr>
+            <a:spLocks noGrp="1"/>
+          </p:cNvSpPr>
+          <p:nvPr>
+            <p:ph type="dt" sz="half" idx="10"/>
+          </p:nvPr>
+        </p:nvSpPr>
+        <p:spPr/>
+        <p:txBody>
+          <a:bodyPr/>
+          <a:lstStyle/>
+          <a:p>
+            <a:pPr>
+              <a:defRPr/>
+            </a:pPr>
+            <a:fld id="{6C3DD7D0-7E54-4926-8269-92427B4182BC}" type="datetime1">
+              <a:rPr lang="en-US" smtClean="0">
+                <a:solidFill>
+                  <a:srgbClr val="04617B">
+                    <a:shade val="90000"/>
+                  </a:srgbClr>
+                </a:solidFill>
+              </a:rPr>
+              <a:t>5/6/2015</a:t>
+            </a:fld>
+            <a:endParaRPr lang="en-US" dirty="0">
+              <a:solidFill>
+                <a:srgbClr val="04617B">
+                  <a:shade val="90000"/>
+                </a:srgbClr>
+              </a:solidFill>
+            </a:endParaRPr>
+          </a:p>
+        </p:txBody>
+      </p:sp>
+      <p:sp>
+        <p:nvSpPr>
+          <p:cNvPr id="5" name="Footer Placeholder 4"/>
+          <p:cNvSpPr>
+            <a:spLocks noGrp="1"/>
+          </p:cNvSpPr>
+          <p:nvPr>
+            <p:ph type="ftr" sz="quarter" idx="11"/>
+          </p:nvPr>
+        </p:nvSpPr>
+        <p:spPr/>
+        <p:txBody>
+          <a:bodyPr/>
+          <a:lstStyle/>
+          <a:p>
+            <a:pPr>
+              <a:defRPr/>
+            </a:pPr>
+            <a:r>
+              <a:rPr lang="en-US" smtClean="0">
+                <a:solidFill>
+                  <a:srgbClr val="04617B">
+                    <a:shade val="90000"/>
+                  </a:srgbClr>
+                </a:solidFill>
+              </a:rPr>
+              <a:t>www.adiwg.org</a:t>
+            </a:r>
+            <a:endParaRPr lang="en-US" dirty="0" smtClean="0">
+              <a:solidFill>
+                <a:srgbClr val="04617B">
+                  <a:shade val="90000"/>
+                </a:srgbClr>
+              </a:solidFill>
+            </a:endParaRPr>
+          </a:p>
+        </p:txBody>
+      </p:sp>
+      <p:sp>
+        <p:nvSpPr>
+          <p:cNvPr id="6" name="Slide Number Placeholder 5"/>
+          <p:cNvSpPr>
+            <a:spLocks noGrp="1"/>
+          </p:cNvSpPr>
+          <p:nvPr>
+            <p:ph type="sldNum" sz="quarter" idx="12"/>
+          </p:nvPr>
+        </p:nvSpPr>
+        <p:spPr/>
+        <p:txBody>
+          <a:bodyPr/>
+          <a:lstStyle/>
+          <a:p>
+            <a:pPr>
+              <a:defRPr/>
+            </a:pPr>
+            <a:fld id="{D96B19B3-FA35-4262-952F-7D873B09162D}" type="slidenum">
+              <a:rPr lang="en-US" smtClean="0">
+                <a:solidFill>
+                  <a:srgbClr val="04617B">
+                    <a:shade val="90000"/>
+                  </a:srgbClr>
+                </a:solidFill>
+              </a:rPr>
+              <a:pPr>
+                <a:defRPr/>
+              </a:pPr>
+              <a:t>8</a:t>
+            </a:fld>
+            <a:endParaRPr lang="en-US" dirty="0">
+              <a:solidFill>
+                <a:srgbClr val="04617B">
+                  <a:shade val="90000"/>
+                </a:srgbClr>
+              </a:solidFill>
+            </a:endParaRPr>
+          </a:p>
+        </p:txBody>
+      </p:sp>
+    </p:spTree>
+    <p:extLst>
+      <p:ext uri="{BB962C8B-B14F-4D97-AF65-F5344CB8AC3E}">
+        <p14:creationId xmlns:p14="http://schemas.microsoft.com/office/powerpoint/2010/main" val="4249775794"/>
+      </p:ext>
+    </p:extLst>
+  </p:cSld>
+  <p:clrMapOvr>
+    <a:masterClrMapping/>
+  </p:clrMapOvr>
+  <p:timing>
+    <p:tnLst>
+      <p:par>
+        <p:cTn id="1" dur="indefinite" restart="never" nodeType="tmRoot"/>
+      </p:par>
+    </p:tnLst>
+  </p:timing>
+</p:sld>
+</file>
+
+<file path=ppt/slides/slide9.xml><?xml version="1.0" encoding="utf-8"?>
+<p:sld xmlns:a="http://schemas.openxmlformats.org/drawingml/2006/main" xmlns:r="http://schemas.openxmlformats.org/officeDocument/2006/relationships" xmlns:p="http://schemas.openxmlformats.org/presentationml/2006/main">
+  <p:cSld>
+    <p:spTree>
+      <p:nvGrpSpPr>
+        <p:cNvPr id="1" name=""/>
+        <p:cNvGrpSpPr/>
+        <p:nvPr/>
+      </p:nvGrpSpPr>
+      <p:grpSpPr>
+        <a:xfrm>
+          <a:off x="0" y="0"/>
+          <a:ext cx="0" cy="0"/>
+          <a:chOff x="0" y="0"/>
+          <a:chExt cx="0" cy="0"/>
+        </a:xfrm>
+      </p:grpSpPr>
+      <p:sp>
+        <p:nvSpPr>
+          <p:cNvPr id="8" name="Title 7"/>
+          <p:cNvSpPr>
+            <a:spLocks noGrp="1"/>
+          </p:cNvSpPr>
+          <p:nvPr>
+            <p:ph type="title"/>
+          </p:nvPr>
+        </p:nvSpPr>
+        <p:spPr/>
+        <p:txBody>
+          <a:bodyPr/>
+          <a:lstStyle/>
+          <a:p>
+            <a:r>
+              <a:rPr lang="en-US" dirty="0" smtClean="0"/>
+              <a:t>Questions?</a:t>
+            </a:r>
+            <a:endParaRPr lang="en-US" dirty="0"/>
+          </a:p>
+        </p:txBody>
+      </p:sp>
+      <p:sp>
+        <p:nvSpPr>
+          <p:cNvPr id="4" name="Date Placeholder 3"/>
+          <p:cNvSpPr>
+            <a:spLocks noGrp="1"/>
+          </p:cNvSpPr>
+          <p:nvPr>
+            <p:ph type="dt" sz="half" idx="10"/>
+          </p:nvPr>
+        </p:nvSpPr>
+        <p:spPr/>
+        <p:txBody>
+          <a:bodyPr/>
+          <a:lstStyle/>
+          <a:p>
+            <a:pPr>
+              <a:defRPr/>
+            </a:pPr>
+            <a:fld id="{4C1DFB75-B4A1-4E54-8AFD-FBCAC108816F}" type="datetime1">
+              <a:rPr lang="en-US" smtClean="0">
+                <a:solidFill>
+                  <a:srgbClr val="04617B">
+                    <a:shade val="90000"/>
+                  </a:srgbClr>
+                </a:solidFill>
+              </a:rPr>
+              <a:t>5/6/2015</a:t>
+            </a:fld>
+            <a:endParaRPr lang="en-US" dirty="0">
+              <a:solidFill>
+                <a:srgbClr val="04617B">
+                  <a:shade val="90000"/>
+                </a:srgbClr>
+              </a:solidFill>
+            </a:endParaRPr>
+          </a:p>
+        </p:txBody>
+      </p:sp>
+      <p:sp>
+        <p:nvSpPr>
+          <p:cNvPr id="6" name="Footer Placeholder 5"/>
+          <p:cNvSpPr>
+            <a:spLocks noGrp="1"/>
+          </p:cNvSpPr>
+          <p:nvPr>
+            <p:ph type="ftr" sz="quarter" idx="11"/>
+          </p:nvPr>
+        </p:nvSpPr>
+        <p:spPr/>
+        <p:txBody>
+          <a:bodyPr/>
+          <a:lstStyle/>
+          <a:p>
+            <a:pPr>
+              <a:defRPr/>
+            </a:pPr>
+            <a:r>
+              <a:rPr lang="en-US" dirty="0" smtClean="0">
+                <a:solidFill>
+                  <a:srgbClr val="04617B">
+                    <a:shade val="90000"/>
+                  </a:srgbClr>
+                </a:solidFill>
+              </a:rPr>
+              <a:t>www.adiwg.org</a:t>
+            </a:r>
+          </a:p>
+        </p:txBody>
+      </p:sp>
+      <p:sp>
+        <p:nvSpPr>
+          <p:cNvPr id="2" name="Slide Number Placeholder 1"/>
+          <p:cNvSpPr>
+            <a:spLocks noGrp="1"/>
+          </p:cNvSpPr>
+          <p:nvPr>
+            <p:ph type="sldNum" sz="quarter" idx="12"/>
+          </p:nvPr>
+        </p:nvSpPr>
+        <p:spPr/>
+        <p:txBody>
+          <a:bodyPr/>
+          <a:lstStyle/>
+          <a:p>
+            <a:fld id="{521E745E-8DCD-4372-A04E-1A39D68E2162}" type="slidenum">
+              <a:rPr lang="en-US" smtClean="0"/>
+              <a:t>9</a:t>
+            </a:fld>
+            <a:endParaRPr lang="en-US" dirty="0"/>
+          </a:p>
+        </p:txBody>
+      </p:sp>
+      <p:sp>
+        <p:nvSpPr>
+          <p:cNvPr id="3" name="Content Placeholder 2"/>
+          <p:cNvSpPr>
+            <a:spLocks noGrp="1"/>
+          </p:cNvSpPr>
+          <p:nvPr>
+            <p:ph idx="4294967295"/>
+          </p:nvPr>
+        </p:nvSpPr>
+        <p:spPr>
+          <a:xfrm>
+            <a:off x="0" y="1600200"/>
+            <a:ext cx="8229600" cy="3886200"/>
+          </a:xfrm>
+        </p:spPr>
+        <p:txBody>
+          <a:bodyPr>
+            <a:normAutofit/>
+          </a:bodyPr>
+          <a:lstStyle/>
+          <a:p>
+            <a:endParaRPr lang="en-US" sz="1600" dirty="0" smtClean="0"/>
+          </a:p>
+          <a:p>
+            <a:pPr marL="0" indent="0">
+              <a:buNone/>
+            </a:pPr>
+            <a:endParaRPr lang="en-US" sz="2000" dirty="0" smtClean="0"/>
+          </a:p>
+          <a:p>
+            <a:endParaRPr lang="en-US" sz="2000" dirty="0" smtClean="0"/>
+          </a:p>
+        </p:txBody>
+      </p:sp>
+      <p:graphicFrame>
+        <p:nvGraphicFramePr>
+          <p:cNvPr id="7" name="Diagram 6"/>
+          <p:cNvGraphicFramePr/>
+          <p:nvPr>
+            <p:extLst>
+              <p:ext uri="{D42A27DB-BD31-4B8C-83A1-F6EECF244321}">
+                <p14:modId xmlns:p14="http://schemas.microsoft.com/office/powerpoint/2010/main" val="4275234961"/>
+              </p:ext>
+            </p:extLst>
+          </p:nvPr>
+        </p:nvGraphicFramePr>
+        <p:xfrm>
+          <a:off x="1524000" y="1333500"/>
+          <a:ext cx="6096000" cy="4191000"/>
+        </p:xfrm>
+        <a:graphic>
+          <a:graphicData uri="http://schemas.openxmlformats.org/drawingml/2006/diagram">
+            <dgm:relIds xmlns:dgm="http://schemas.openxmlformats.org/drawingml/2006/diagram" xmlns:r="http://schemas.openxmlformats.org/officeDocument/2006/relationships" r:dm="rId3" r:lo="rId4" r:qs="rId5" r:cs="rId6"/>
+          </a:graphicData>
+        </a:graphic>
+      </p:graphicFrame>
+    </p:spTree>
+    <p:extLst>
+      <p:ext uri="{BB962C8B-B14F-4D97-AF65-F5344CB8AC3E}">
+        <p14:creationId xmlns:p14="http://schemas.microsoft.com/office/powerpoint/2010/main" val="3037910115"/>
       </p:ext>
     </p:extLst>
   </p:cSld>
